--- a/slides/presentazione.pptx
+++ b/slides/presentazione.pptx
@@ -9,13 +9,15 @@
     <p:sldId id="257" r:id="rId3"/>
     <p:sldId id="258" r:id="rId4"/>
     <p:sldId id="259" r:id="rId5"/>
-    <p:sldId id="266" r:id="rId6"/>
-    <p:sldId id="260" r:id="rId7"/>
-    <p:sldId id="261" r:id="rId8"/>
-    <p:sldId id="262" r:id="rId9"/>
-    <p:sldId id="263" r:id="rId10"/>
-    <p:sldId id="264" r:id="rId11"/>
-    <p:sldId id="265" r:id="rId12"/>
+    <p:sldId id="267" r:id="rId6"/>
+    <p:sldId id="268" r:id="rId7"/>
+    <p:sldId id="266" r:id="rId8"/>
+    <p:sldId id="260" r:id="rId9"/>
+    <p:sldId id="261" r:id="rId10"/>
+    <p:sldId id="262" r:id="rId11"/>
+    <p:sldId id="263" r:id="rId12"/>
+    <p:sldId id="264" r:id="rId13"/>
+    <p:sldId id="265" r:id="rId14"/>
   </p:sldIdLst>
   <p:sldSz cx="12192000" cy="6858000"/>
   <p:notesSz cx="6858000" cy="9144000"/>
@@ -114,7 +116,293 @@
       </a:defRPr>
     </a:lvl9pPr>
   </p:defaultTextStyle>
+  <p:extLst>
+    <p:ext uri="{EFAFB233-063F-42B5-8137-9DF3F51BA10A}">
+      <p15:sldGuideLst xmlns:p15="http://schemas.microsoft.com/office/powerpoint/2012/main"/>
+    </p:ext>
+  </p:extLst>
 </p:presentation>
+</file>
+
+<file path=ppt/revisionInfo.xml><?xml version="1.0" encoding="utf-8"?>
+<p1510:revInfo xmlns:a="http://schemas.openxmlformats.org/drawingml/2006/main" xmlns:r="http://schemas.openxmlformats.org/officeDocument/2006/relationships" xmlns:p1510="http://schemas.microsoft.com/office/powerpoint/2015/10/main">
+  <p1510:revLst>
+    <p1510:client id="{752A1F7B-CCEB-417B-ABE3-876872AFC63E}" v="9" dt="2021-12-12T16:01:19.323"/>
+  </p1510:revLst>
+</p1510:revInfo>
+</file>
+
+<file path=ppt/changesInfos/changesInfo1.xml><?xml version="1.0" encoding="utf-8"?>
+<pc:chgInfo xmlns:a="http://schemas.openxmlformats.org/drawingml/2006/main" xmlns:r="http://schemas.openxmlformats.org/officeDocument/2006/relationships" xmlns:ac="http://schemas.microsoft.com/office/drawing/2013/main/command" xmlns:pc="http://schemas.microsoft.com/office/powerpoint/2013/main/command">
+  <pc:docChgLst>
+    <pc:chgData name="Angelo Oscar Piccirillo" userId="99f7ae0723b79c88" providerId="LiveId" clId="{752A1F7B-CCEB-417B-ABE3-876872AFC63E}"/>
+    <pc:docChg chg="undo custSel addSld modSld">
+      <pc:chgData name="Angelo Oscar Piccirillo" userId="99f7ae0723b79c88" providerId="LiveId" clId="{752A1F7B-CCEB-417B-ABE3-876872AFC63E}" dt="2021-12-12T16:46:52.520" v="4265" actId="2711"/>
+      <pc:docMkLst>
+        <pc:docMk/>
+      </pc:docMkLst>
+      <pc:sldChg chg="modSp mod">
+        <pc:chgData name="Angelo Oscar Piccirillo" userId="99f7ae0723b79c88" providerId="LiveId" clId="{752A1F7B-CCEB-417B-ABE3-876872AFC63E}" dt="2021-12-12T14:46:19.873" v="6" actId="20577"/>
+        <pc:sldMkLst>
+          <pc:docMk/>
+          <pc:sldMk cId="1166804890" sldId="256"/>
+        </pc:sldMkLst>
+        <pc:spChg chg="mod">
+          <ac:chgData name="Angelo Oscar Piccirillo" userId="99f7ae0723b79c88" providerId="LiveId" clId="{752A1F7B-CCEB-417B-ABE3-876872AFC63E}" dt="2021-12-12T14:46:19.873" v="6" actId="20577"/>
+          <ac:spMkLst>
+            <pc:docMk/>
+            <pc:sldMk cId="1166804890" sldId="256"/>
+            <ac:spMk id="3" creationId="{AFEDD3E2-248B-4E2A-B30B-4C574923FC3C}"/>
+          </ac:spMkLst>
+        </pc:spChg>
+      </pc:sldChg>
+      <pc:sldChg chg="modSp mod">
+        <pc:chgData name="Angelo Oscar Piccirillo" userId="99f7ae0723b79c88" providerId="LiveId" clId="{752A1F7B-CCEB-417B-ABE3-876872AFC63E}" dt="2021-12-12T14:53:48.834" v="374" actId="255"/>
+        <pc:sldMkLst>
+          <pc:docMk/>
+          <pc:sldMk cId="1955985045" sldId="257"/>
+        </pc:sldMkLst>
+        <pc:spChg chg="mod">
+          <ac:chgData name="Angelo Oscar Piccirillo" userId="99f7ae0723b79c88" providerId="LiveId" clId="{752A1F7B-CCEB-417B-ABE3-876872AFC63E}" dt="2021-12-12T14:53:48.834" v="374" actId="255"/>
+          <ac:spMkLst>
+            <pc:docMk/>
+            <pc:sldMk cId="1955985045" sldId="257"/>
+            <ac:spMk id="3" creationId="{E3E2921C-EDD7-404F-9DD3-3875D743E611}"/>
+          </ac:spMkLst>
+        </pc:spChg>
+      </pc:sldChg>
+      <pc:sldChg chg="modSp mod">
+        <pc:chgData name="Angelo Oscar Piccirillo" userId="99f7ae0723b79c88" providerId="LiveId" clId="{752A1F7B-CCEB-417B-ABE3-876872AFC63E}" dt="2021-12-12T14:58:22.004" v="676" actId="20577"/>
+        <pc:sldMkLst>
+          <pc:docMk/>
+          <pc:sldMk cId="2744429337" sldId="258"/>
+        </pc:sldMkLst>
+        <pc:spChg chg="mod">
+          <ac:chgData name="Angelo Oscar Piccirillo" userId="99f7ae0723b79c88" providerId="LiveId" clId="{752A1F7B-CCEB-417B-ABE3-876872AFC63E}" dt="2021-12-12T14:58:22.004" v="676" actId="20577"/>
+          <ac:spMkLst>
+            <pc:docMk/>
+            <pc:sldMk cId="2744429337" sldId="258"/>
+            <ac:spMk id="3" creationId="{FC82F9E6-EA31-418E-9023-D0378BF1261D}"/>
+          </ac:spMkLst>
+        </pc:spChg>
+      </pc:sldChg>
+      <pc:sldChg chg="modSp mod">
+        <pc:chgData name="Angelo Oscar Piccirillo" userId="99f7ae0723b79c88" providerId="LiveId" clId="{752A1F7B-CCEB-417B-ABE3-876872AFC63E}" dt="2021-12-12T16:45:56.073" v="4218" actId="2711"/>
+        <pc:sldMkLst>
+          <pc:docMk/>
+          <pc:sldMk cId="4254307554" sldId="259"/>
+        </pc:sldMkLst>
+        <pc:spChg chg="mod">
+          <ac:chgData name="Angelo Oscar Piccirillo" userId="99f7ae0723b79c88" providerId="LiveId" clId="{752A1F7B-CCEB-417B-ABE3-876872AFC63E}" dt="2021-12-12T16:45:56.073" v="4218" actId="2711"/>
+          <ac:spMkLst>
+            <pc:docMk/>
+            <pc:sldMk cId="4254307554" sldId="259"/>
+            <ac:spMk id="3" creationId="{F98052B0-7E9F-4F71-8158-DFA3DD3746E4}"/>
+          </ac:spMkLst>
+        </pc:spChg>
+      </pc:sldChg>
+      <pc:sldChg chg="modSp mod">
+        <pc:chgData name="Angelo Oscar Piccirillo" userId="99f7ae0723b79c88" providerId="LiveId" clId="{752A1F7B-CCEB-417B-ABE3-876872AFC63E}" dt="2021-12-12T15:33:46.598" v="2724" actId="5793"/>
+        <pc:sldMkLst>
+          <pc:docMk/>
+          <pc:sldMk cId="1532552589" sldId="260"/>
+        </pc:sldMkLst>
+        <pc:spChg chg="mod">
+          <ac:chgData name="Angelo Oscar Piccirillo" userId="99f7ae0723b79c88" providerId="LiveId" clId="{752A1F7B-CCEB-417B-ABE3-876872AFC63E}" dt="2021-12-12T15:33:46.598" v="2724" actId="5793"/>
+          <ac:spMkLst>
+            <pc:docMk/>
+            <pc:sldMk cId="1532552589" sldId="260"/>
+            <ac:spMk id="3" creationId="{5D54BF1F-8D6E-4A67-AD5F-ACD3AF99C3B6}"/>
+          </ac:spMkLst>
+        </pc:spChg>
+      </pc:sldChg>
+      <pc:sldChg chg="addSp delSp modSp mod">
+        <pc:chgData name="Angelo Oscar Piccirillo" userId="99f7ae0723b79c88" providerId="LiveId" clId="{752A1F7B-CCEB-417B-ABE3-876872AFC63E}" dt="2021-12-12T15:41:33.481" v="2729" actId="1076"/>
+        <pc:sldMkLst>
+          <pc:docMk/>
+          <pc:sldMk cId="1049317848" sldId="261"/>
+        </pc:sldMkLst>
+        <pc:spChg chg="del mod">
+          <ac:chgData name="Angelo Oscar Piccirillo" userId="99f7ae0723b79c88" providerId="LiveId" clId="{752A1F7B-CCEB-417B-ABE3-876872AFC63E}" dt="2021-12-12T15:40:47.203" v="2727" actId="931"/>
+          <ac:spMkLst>
+            <pc:docMk/>
+            <pc:sldMk cId="1049317848" sldId="261"/>
+            <ac:spMk id="3" creationId="{6C247B3A-D92C-43FB-B0DF-C3206D21867F}"/>
+          </ac:spMkLst>
+        </pc:spChg>
+        <pc:picChg chg="add mod">
+          <ac:chgData name="Angelo Oscar Piccirillo" userId="99f7ae0723b79c88" providerId="LiveId" clId="{752A1F7B-CCEB-417B-ABE3-876872AFC63E}" dt="2021-12-12T15:41:33.481" v="2729" actId="1076"/>
+          <ac:picMkLst>
+            <pc:docMk/>
+            <pc:sldMk cId="1049317848" sldId="261"/>
+            <ac:picMk id="5" creationId="{0E230736-6A0E-424A-B6C8-3F07B7A4E4E4}"/>
+          </ac:picMkLst>
+        </pc:picChg>
+      </pc:sldChg>
+      <pc:sldChg chg="addSp modSp mod">
+        <pc:chgData name="Angelo Oscar Piccirillo" userId="99f7ae0723b79c88" providerId="LiveId" clId="{752A1F7B-CCEB-417B-ABE3-876872AFC63E}" dt="2021-12-12T16:46:52.520" v="4265" actId="2711"/>
+        <pc:sldMkLst>
+          <pc:docMk/>
+          <pc:sldMk cId="1280726843" sldId="262"/>
+        </pc:sldMkLst>
+        <pc:spChg chg="mod">
+          <ac:chgData name="Angelo Oscar Piccirillo" userId="99f7ae0723b79c88" providerId="LiveId" clId="{752A1F7B-CCEB-417B-ABE3-876872AFC63E}" dt="2021-12-12T16:46:52.520" v="4265" actId="2711"/>
+          <ac:spMkLst>
+            <pc:docMk/>
+            <pc:sldMk cId="1280726843" sldId="262"/>
+            <ac:spMk id="3" creationId="{97E1BDA9-2247-4AD0-9C67-686EBDCC27FF}"/>
+          </ac:spMkLst>
+        </pc:spChg>
+        <pc:picChg chg="add mod">
+          <ac:chgData name="Angelo Oscar Piccirillo" userId="99f7ae0723b79c88" providerId="LiveId" clId="{752A1F7B-CCEB-417B-ABE3-876872AFC63E}" dt="2021-12-12T15:59:59.821" v="3036" actId="1076"/>
+          <ac:picMkLst>
+            <pc:docMk/>
+            <pc:sldMk cId="1280726843" sldId="262"/>
+            <ac:picMk id="5" creationId="{525C1690-ED2D-4A60-8C2A-8131FACF8EE2}"/>
+          </ac:picMkLst>
+        </pc:picChg>
+      </pc:sldChg>
+      <pc:sldChg chg="addSp delSp modSp mod">
+        <pc:chgData name="Angelo Oscar Piccirillo" userId="99f7ae0723b79c88" providerId="LiveId" clId="{752A1F7B-CCEB-417B-ABE3-876872AFC63E}" dt="2021-12-12T16:01:22.794" v="3039" actId="1076"/>
+        <pc:sldMkLst>
+          <pc:docMk/>
+          <pc:sldMk cId="78653285" sldId="263"/>
+        </pc:sldMkLst>
+        <pc:spChg chg="del mod">
+          <ac:chgData name="Angelo Oscar Piccirillo" userId="99f7ae0723b79c88" providerId="LiveId" clId="{752A1F7B-CCEB-417B-ABE3-876872AFC63E}" dt="2021-12-12T16:01:19.323" v="3038" actId="931"/>
+          <ac:spMkLst>
+            <pc:docMk/>
+            <pc:sldMk cId="78653285" sldId="263"/>
+            <ac:spMk id="3" creationId="{16A75902-01B4-4FA1-BC9D-735C596A2449}"/>
+          </ac:spMkLst>
+        </pc:spChg>
+        <pc:picChg chg="add mod">
+          <ac:chgData name="Angelo Oscar Piccirillo" userId="99f7ae0723b79c88" providerId="LiveId" clId="{752A1F7B-CCEB-417B-ABE3-876872AFC63E}" dt="2021-12-12T16:01:22.794" v="3039" actId="1076"/>
+          <ac:picMkLst>
+            <pc:docMk/>
+            <pc:sldMk cId="78653285" sldId="263"/>
+            <ac:picMk id="5" creationId="{185D99F3-182C-462A-B604-4E79B57EF917}"/>
+          </ac:picMkLst>
+        </pc:picChg>
+      </pc:sldChg>
+      <pc:sldChg chg="modSp mod">
+        <pc:chgData name="Angelo Oscar Piccirillo" userId="99f7ae0723b79c88" providerId="LiveId" clId="{752A1F7B-CCEB-417B-ABE3-876872AFC63E}" dt="2021-12-12T16:12:42.283" v="3716" actId="20577"/>
+        <pc:sldMkLst>
+          <pc:docMk/>
+          <pc:sldMk cId="2173976597" sldId="264"/>
+        </pc:sldMkLst>
+        <pc:spChg chg="mod">
+          <ac:chgData name="Angelo Oscar Piccirillo" userId="99f7ae0723b79c88" providerId="LiveId" clId="{752A1F7B-CCEB-417B-ABE3-876872AFC63E}" dt="2021-12-12T16:12:42.283" v="3716" actId="20577"/>
+          <ac:spMkLst>
+            <pc:docMk/>
+            <pc:sldMk cId="2173976597" sldId="264"/>
+            <ac:spMk id="3" creationId="{7A80F8BC-8198-4638-A2A8-42C46E133D87}"/>
+          </ac:spMkLst>
+        </pc:spChg>
+      </pc:sldChg>
+      <pc:sldChg chg="modSp mod">
+        <pc:chgData name="Angelo Oscar Piccirillo" userId="99f7ae0723b79c88" providerId="LiveId" clId="{752A1F7B-CCEB-417B-ABE3-876872AFC63E}" dt="2021-12-12T16:39:55.949" v="4215" actId="20577"/>
+        <pc:sldMkLst>
+          <pc:docMk/>
+          <pc:sldMk cId="451453980" sldId="265"/>
+        </pc:sldMkLst>
+        <pc:spChg chg="mod">
+          <ac:chgData name="Angelo Oscar Piccirillo" userId="99f7ae0723b79c88" providerId="LiveId" clId="{752A1F7B-CCEB-417B-ABE3-876872AFC63E}" dt="2021-12-12T16:39:55.949" v="4215" actId="20577"/>
+          <ac:spMkLst>
+            <pc:docMk/>
+            <pc:sldMk cId="451453980" sldId="265"/>
+            <ac:spMk id="3" creationId="{E80313BB-54C0-416D-861B-F485FE395393}"/>
+          </ac:spMkLst>
+        </pc:spChg>
+      </pc:sldChg>
+      <pc:sldChg chg="addSp modSp mod">
+        <pc:chgData name="Angelo Oscar Piccirillo" userId="99f7ae0723b79c88" providerId="LiveId" clId="{752A1F7B-CCEB-417B-ABE3-876872AFC63E}" dt="2021-12-12T15:29:30.974" v="2494" actId="1076"/>
+        <pc:sldMkLst>
+          <pc:docMk/>
+          <pc:sldMk cId="1673521422" sldId="266"/>
+        </pc:sldMkLst>
+        <pc:spChg chg="mod">
+          <ac:chgData name="Angelo Oscar Piccirillo" userId="99f7ae0723b79c88" providerId="LiveId" clId="{752A1F7B-CCEB-417B-ABE3-876872AFC63E}" dt="2021-12-12T15:29:01.314" v="2489" actId="14100"/>
+          <ac:spMkLst>
+            <pc:docMk/>
+            <pc:sldMk cId="1673521422" sldId="266"/>
+            <ac:spMk id="3" creationId="{0FE3A94F-6176-4CB7-A0F8-E6606190CE28}"/>
+          </ac:spMkLst>
+        </pc:spChg>
+        <pc:picChg chg="add mod">
+          <ac:chgData name="Angelo Oscar Piccirillo" userId="99f7ae0723b79c88" providerId="LiveId" clId="{752A1F7B-CCEB-417B-ABE3-876872AFC63E}" dt="2021-12-12T15:29:30.974" v="2494" actId="1076"/>
+          <ac:picMkLst>
+            <pc:docMk/>
+            <pc:sldMk cId="1673521422" sldId="266"/>
+            <ac:picMk id="5" creationId="{726D50E5-F887-4ABE-A490-DFA48F7F2E65}"/>
+          </ac:picMkLst>
+        </pc:picChg>
+      </pc:sldChg>
+      <pc:sldChg chg="addSp delSp modSp new mod">
+        <pc:chgData name="Angelo Oscar Piccirillo" userId="99f7ae0723b79c88" providerId="LiveId" clId="{752A1F7B-CCEB-417B-ABE3-876872AFC63E}" dt="2021-12-12T16:45:27.102" v="4216" actId="2711"/>
+        <pc:sldMkLst>
+          <pc:docMk/>
+          <pc:sldMk cId="505835685" sldId="267"/>
+        </pc:sldMkLst>
+        <pc:spChg chg="mod">
+          <ac:chgData name="Angelo Oscar Piccirillo" userId="99f7ae0723b79c88" providerId="LiveId" clId="{752A1F7B-CCEB-417B-ABE3-876872AFC63E}" dt="2021-12-12T15:07:51.282" v="1262" actId="20577"/>
+          <ac:spMkLst>
+            <pc:docMk/>
+            <pc:sldMk cId="505835685" sldId="267"/>
+            <ac:spMk id="2" creationId="{3FDE73EB-4990-472F-86C9-5836397403DD}"/>
+          </ac:spMkLst>
+        </pc:spChg>
+        <pc:spChg chg="add del mod">
+          <ac:chgData name="Angelo Oscar Piccirillo" userId="99f7ae0723b79c88" providerId="LiveId" clId="{752A1F7B-CCEB-417B-ABE3-876872AFC63E}" dt="2021-12-12T16:45:27.102" v="4216" actId="2711"/>
+          <ac:spMkLst>
+            <pc:docMk/>
+            <pc:sldMk cId="505835685" sldId="267"/>
+            <ac:spMk id="3" creationId="{E422C7FA-1A35-4990-BE85-65A777F3612F}"/>
+          </ac:spMkLst>
+        </pc:spChg>
+        <pc:spChg chg="add del mod">
+          <ac:chgData name="Angelo Oscar Piccirillo" userId="99f7ae0723b79c88" providerId="LiveId" clId="{752A1F7B-CCEB-417B-ABE3-876872AFC63E}" dt="2021-12-12T15:07:59.746" v="1264"/>
+          <ac:spMkLst>
+            <pc:docMk/>
+            <pc:sldMk cId="505835685" sldId="267"/>
+            <ac:spMk id="4" creationId="{38FB5411-DA12-4AD5-96AD-4AFAA401216D}"/>
+          </ac:spMkLst>
+        </pc:spChg>
+      </pc:sldChg>
+      <pc:sldChg chg="addSp delSp modSp new mod">
+        <pc:chgData name="Angelo Oscar Piccirillo" userId="99f7ae0723b79c88" providerId="LiveId" clId="{752A1F7B-CCEB-417B-ABE3-876872AFC63E}" dt="2021-12-12T16:45:47.051" v="4217" actId="2711"/>
+        <pc:sldMkLst>
+          <pc:docMk/>
+          <pc:sldMk cId="2052776568" sldId="268"/>
+        </pc:sldMkLst>
+        <pc:spChg chg="mod">
+          <ac:chgData name="Angelo Oscar Piccirillo" userId="99f7ae0723b79c88" providerId="LiveId" clId="{752A1F7B-CCEB-417B-ABE3-876872AFC63E}" dt="2021-12-12T15:20:15.820" v="2134" actId="20577"/>
+          <ac:spMkLst>
+            <pc:docMk/>
+            <pc:sldMk cId="2052776568" sldId="268"/>
+            <ac:spMk id="2" creationId="{11443430-1199-4E06-9140-F2B9DAB268AC}"/>
+          </ac:spMkLst>
+        </pc:spChg>
+        <pc:spChg chg="add del mod">
+          <ac:chgData name="Angelo Oscar Piccirillo" userId="99f7ae0723b79c88" providerId="LiveId" clId="{752A1F7B-CCEB-417B-ABE3-876872AFC63E}" dt="2021-12-12T16:45:47.051" v="4217" actId="2711"/>
+          <ac:spMkLst>
+            <pc:docMk/>
+            <pc:sldMk cId="2052776568" sldId="268"/>
+            <ac:spMk id="3" creationId="{851477D0-C739-4B02-99AF-D993E51C66DE}"/>
+          </ac:spMkLst>
+        </pc:spChg>
+        <pc:spChg chg="add del mod">
+          <ac:chgData name="Angelo Oscar Piccirillo" userId="99f7ae0723b79c88" providerId="LiveId" clId="{752A1F7B-CCEB-417B-ABE3-876872AFC63E}" dt="2021-12-12T15:12:00.778" v="1461"/>
+          <ac:spMkLst>
+            <pc:docMk/>
+            <pc:sldMk cId="2052776568" sldId="268"/>
+            <ac:spMk id="4" creationId="{1337AC4A-4D7B-4F3E-A85F-1DA46E43BD88}"/>
+          </ac:spMkLst>
+        </pc:spChg>
+      </pc:sldChg>
+    </pc:docChg>
+  </pc:docChgLst>
+</pc:chgInfo>
 </file>
 
 <file path=ppt/slideLayouts/slideLayout1.xml><?xml version="1.0" encoding="utf-8"?>
@@ -453,7 +741,7 @@
             <a:fld id="{5923F103-BC34-4FE4-A40E-EDDEECFDA5D0}" type="datetimeFigureOut">
               <a:rPr lang="en-US" dirty="0"/>
               <a:pPr/>
-              <a:t>12/9/2021</a:t>
+              <a:t>12/12/2021</a:t>
             </a:fld>
             <a:endParaRPr lang="en-US" dirty="0"/>
           </a:p>
@@ -1537,7 +1825,7 @@
           <a:p>
             <a:fld id="{923A1CC3-2375-41D4-9E03-427CAF2A4C1A}" type="datetimeFigureOut">
               <a:rPr lang="en-US" dirty="0"/>
-              <a:t>12/9/2021</a:t>
+              <a:t>12/12/2021</a:t>
             </a:fld>
             <a:endParaRPr lang="en-US" dirty="0"/>
           </a:p>
@@ -2513,7 +2801,7 @@
           <a:p>
             <a:fld id="{AFF16868-8199-4C2C-A5B1-63AEE139F88E}" type="datetimeFigureOut">
               <a:rPr lang="en-US" dirty="0"/>
-              <a:t>12/9/2021</a:t>
+              <a:t>12/12/2021</a:t>
             </a:fld>
             <a:endParaRPr lang="en-US" dirty="0"/>
           </a:p>
@@ -3643,7 +3931,7 @@
           <a:p>
             <a:fld id="{AAD9FF7F-6988-44CC-821B-644E70CD2F73}" type="datetimeFigureOut">
               <a:rPr lang="en-US" dirty="0"/>
-              <a:t>12/9/2021</a:t>
+              <a:t>12/12/2021</a:t>
             </a:fld>
             <a:endParaRPr lang="en-US" dirty="0"/>
           </a:p>
@@ -4672,7 +4960,7 @@
           <a:p>
             <a:fld id="{5C12C299-16B2-4475-990D-751901EACC14}" type="datetimeFigureOut">
               <a:rPr lang="en-US" dirty="0"/>
-              <a:t>12/9/2021</a:t>
+              <a:t>12/12/2021</a:t>
             </a:fld>
             <a:endParaRPr lang="en-US" dirty="0"/>
           </a:p>
@@ -5328,7 +5616,7 @@
           <a:p>
             <a:fld id="{9FE86839-B9D8-4651-8783-F325ECE74E65}" type="datetimeFigureOut">
               <a:rPr lang="en-US" dirty="0"/>
-              <a:t>12/9/2021</a:t>
+              <a:t>12/12/2021</a:t>
             </a:fld>
             <a:endParaRPr lang="en-US" dirty="0"/>
           </a:p>
@@ -6185,7 +6473,7 @@
           <a:p>
             <a:fld id="{FD484F64-32F6-45C5-931F-ADC1662401D0}" type="datetimeFigureOut">
               <a:rPr lang="en-US" dirty="0"/>
-              <a:t>12/9/2021</a:t>
+              <a:t>12/12/2021</a:t>
             </a:fld>
             <a:endParaRPr lang="en-US" dirty="0"/>
           </a:p>
@@ -6371,7 +6659,7 @@
           <a:p>
             <a:fld id="{53086D93-FCAC-47E0-A2EE-787E62CA814C}" type="datetimeFigureOut">
               <a:rPr lang="en-US" dirty="0"/>
-              <a:t>12/9/2021</a:t>
+              <a:t>12/12/2021</a:t>
             </a:fld>
             <a:endParaRPr lang="en-US" dirty="0"/>
           </a:p>
@@ -7339,7 +7627,7 @@
           <a:p>
             <a:fld id="{CDA879A6-0FD0-4734-A311-86BFCA472E6E}" type="datetimeFigureOut">
               <a:rPr lang="en-US" dirty="0"/>
-              <a:t>12/9/2021</a:t>
+              <a:t>12/12/2021</a:t>
             </a:fld>
             <a:endParaRPr lang="en-US" dirty="0"/>
           </a:p>
@@ -7546,7 +7834,7 @@
           <a:p>
             <a:fld id="{19C9CA7B-DFD4-44B5-8C60-D14B8CD1FB59}" type="datetimeFigureOut">
               <a:rPr lang="en-US" dirty="0"/>
-              <a:t>12/9/2021</a:t>
+              <a:t>12/12/2021</a:t>
             </a:fld>
             <a:endParaRPr lang="en-US" dirty="0"/>
           </a:p>
@@ -8576,7 +8864,7 @@
           <a:p>
             <a:fld id="{F34E6425-0181-43F2-84FC-787E803FD2F8}" type="datetimeFigureOut">
               <a:rPr lang="en-US" dirty="0"/>
-              <a:t>12/9/2021</a:t>
+              <a:t>12/12/2021</a:t>
             </a:fld>
             <a:endParaRPr lang="en-US" dirty="0"/>
           </a:p>
@@ -8844,7 +9132,7 @@
           <a:p>
             <a:fld id="{3BDB8791-F1B0-41E7-B7FD-A781E65C4266}" type="datetimeFigureOut">
               <a:rPr lang="en-US" dirty="0"/>
-              <a:t>12/9/2021</a:t>
+              <a:t>12/12/2021</a:t>
             </a:fld>
             <a:endParaRPr lang="en-US" dirty="0"/>
           </a:p>
@@ -9250,7 +9538,7 @@
           <a:p>
             <a:fld id="{5FDD63B2-E120-4ED8-B27B-C685F510A5FE}" type="datetimeFigureOut">
               <a:rPr lang="en-US" dirty="0"/>
-              <a:t>12/9/2021</a:t>
+              <a:t>12/12/2021</a:t>
             </a:fld>
             <a:endParaRPr lang="en-US" dirty="0"/>
           </a:p>
@@ -9373,7 +9661,7 @@
           <a:p>
             <a:fld id="{7AA18ACC-A947-437B-A130-35BD54FDF1E9}" type="datetimeFigureOut">
               <a:rPr lang="en-US" dirty="0"/>
-              <a:t>12/9/2021</a:t>
+              <a:t>12/12/2021</a:t>
             </a:fld>
             <a:endParaRPr lang="en-US" dirty="0"/>
           </a:p>
@@ -9464,7 +9752,7 @@
           <a:p>
             <a:fld id="{7C8D7E02-BCB8-4D50-A234-369438C08659}" type="datetimeFigureOut">
               <a:rPr lang="en-US" dirty="0"/>
-              <a:t>12/9/2021</a:t>
+              <a:t>12/12/2021</a:t>
             </a:fld>
             <a:endParaRPr lang="en-US" dirty="0"/>
           </a:p>
@@ -10541,7 +10829,7 @@
           <a:p>
             <a:fld id="{76E86A4C-8E40-4F87-A4F0-01A0687C5742}" type="datetimeFigureOut">
               <a:rPr lang="en-US" dirty="0"/>
-              <a:t>12/9/2021</a:t>
+              <a:t>12/12/2021</a:t>
             </a:fld>
             <a:endParaRPr lang="en-US" dirty="0"/>
           </a:p>
@@ -11645,7 +11933,7 @@
           <a:p>
             <a:fld id="{35E72C73-2D91-4E12-BA25-F0AA0C03599B}" type="datetimeFigureOut">
               <a:rPr lang="en-US" dirty="0"/>
-              <a:t>12/9/2021</a:t>
+              <a:t>12/12/2021</a:t>
             </a:fld>
             <a:endParaRPr lang="en-US" dirty="0"/>
           </a:p>
@@ -12638,7 +12926,7 @@
           <a:p>
             <a:fld id="{2BE451C3-0FF4-47C4-B829-773ADF60F88C}" type="datetimeFigureOut">
               <a:rPr lang="en-US" dirty="0"/>
-              <a:t>12/9/2021</a:t>
+              <a:t>12/12/2021</a:t>
             </a:fld>
             <a:endParaRPr lang="en-US" dirty="0"/>
           </a:p>
@@ -13270,7 +13558,7 @@
             </a:r>
             <a:r>
               <a:rPr lang="it-IT" dirty="0"/>
-              <a:t>, </a:t>
+              <a:t>, s282241</a:t>
             </a:r>
           </a:p>
           <a:p>
@@ -13428,6 +13716,312 @@
           <p:cNvPr id="2" name="Titolo 1">
             <a:extLst>
               <a:ext uri="{FF2B5EF4-FFF2-40B4-BE49-F238E27FC236}">
+                <a16:creationId xmlns:a16="http://schemas.microsoft.com/office/drawing/2014/main" id="{EA9E80A2-C334-4392-AAE7-BFE9E6AD8EE2}"/>
+              </a:ext>
+            </a:extLst>
+          </p:cNvPr>
+          <p:cNvSpPr>
+            <a:spLocks noGrp="1"/>
+          </p:cNvSpPr>
+          <p:nvPr>
+            <p:ph type="title"/>
+          </p:nvPr>
+        </p:nvSpPr>
+        <p:spPr/>
+        <p:txBody>
+          <a:bodyPr/>
+          <a:lstStyle/>
+          <a:p>
+            <a:r>
+              <a:rPr lang="it-IT" dirty="0"/>
+              <a:t>Condivisione di un calendario</a:t>
+            </a:r>
+            <a:endParaRPr lang="en-GB" dirty="0"/>
+          </a:p>
+        </p:txBody>
+      </p:sp>
+      <p:sp>
+        <p:nvSpPr>
+          <p:cNvPr id="3" name="Segnaposto contenuto 2">
+            <a:extLst>
+              <a:ext uri="{FF2B5EF4-FFF2-40B4-BE49-F238E27FC236}">
+                <a16:creationId xmlns:a16="http://schemas.microsoft.com/office/drawing/2014/main" id="{97E1BDA9-2247-4AD0-9C67-686EBDCC27FF}"/>
+              </a:ext>
+            </a:extLst>
+          </p:cNvPr>
+          <p:cNvSpPr>
+            <a:spLocks noGrp="1"/>
+          </p:cNvSpPr>
+          <p:nvPr>
+            <p:ph idx="1"/>
+          </p:nvPr>
+        </p:nvSpPr>
+        <p:spPr/>
+        <p:txBody>
+          <a:bodyPr>
+            <a:normAutofit/>
+          </a:bodyPr>
+          <a:lstStyle/>
+          <a:p>
+            <a:r>
+              <a:rPr lang="it-IT" sz="2000" dirty="0" err="1"/>
+              <a:t>CalDAV</a:t>
+            </a:r>
+            <a:r>
+              <a:rPr lang="it-IT" sz="2000" dirty="0"/>
+              <a:t>, come detto, offre la possibilità di condividere un calendario tra più utenti</a:t>
+            </a:r>
+          </a:p>
+          <a:p>
+            <a:r>
+              <a:rPr lang="it-IT" sz="2000" dirty="0"/>
+              <a:t>Ogni calendario possiede come attributo l’utente che lo ha creato (organizer), tale utente può essere ritornato attraverso il metodo </a:t>
+            </a:r>
+            <a:r>
+              <a:rPr lang="it-IT" sz="2000" dirty="0" err="1">
+                <a:latin typeface="Consolas" panose="020B0609020204030204" pitchFamily="49" charset="0"/>
+              </a:rPr>
+              <a:t>std</a:t>
+            </a:r>
+            <a:r>
+              <a:rPr lang="it-IT" sz="2000" dirty="0">
+                <a:latin typeface="Consolas" panose="020B0609020204030204" pitchFamily="49" charset="0"/>
+              </a:rPr>
+              <a:t>::</a:t>
+            </a:r>
+            <a:r>
+              <a:rPr lang="it-IT" sz="2000" dirty="0" err="1">
+                <a:latin typeface="Consolas" panose="020B0609020204030204" pitchFamily="49" charset="0"/>
+              </a:rPr>
+              <a:t>string</a:t>
+            </a:r>
+            <a:r>
+              <a:rPr lang="it-IT" sz="2000" dirty="0">
+                <a:latin typeface="Consolas" panose="020B0609020204030204" pitchFamily="49" charset="0"/>
+              </a:rPr>
+              <a:t> </a:t>
+            </a:r>
+            <a:r>
+              <a:rPr lang="it-IT" sz="2000" dirty="0" err="1">
+                <a:latin typeface="Consolas" panose="020B0609020204030204" pitchFamily="49" charset="0"/>
+              </a:rPr>
+              <a:t>getOrganizer</a:t>
+            </a:r>
+            <a:r>
+              <a:rPr lang="it-IT" sz="2000" dirty="0">
+                <a:latin typeface="Consolas" panose="020B0609020204030204" pitchFamily="49" charset="0"/>
+              </a:rPr>
+              <a:t>(</a:t>
+            </a:r>
+            <a:r>
+              <a:rPr lang="it-IT" sz="2000" dirty="0" err="1">
+                <a:latin typeface="Consolas" panose="020B0609020204030204" pitchFamily="49" charset="0"/>
+              </a:rPr>
+              <a:t>std</a:t>
+            </a:r>
+            <a:r>
+              <a:rPr lang="it-IT" sz="2000" dirty="0">
+                <a:latin typeface="Consolas" panose="020B0609020204030204" pitchFamily="49" charset="0"/>
+              </a:rPr>
+              <a:t>::</a:t>
+            </a:r>
+            <a:r>
+              <a:rPr lang="it-IT" sz="2000" dirty="0" err="1">
+                <a:latin typeface="Consolas" panose="020B0609020204030204" pitchFamily="49" charset="0"/>
+              </a:rPr>
+              <a:t>string</a:t>
+            </a:r>
+            <a:r>
+              <a:rPr lang="it-IT" sz="2000" dirty="0">
+                <a:latin typeface="Consolas" panose="020B0609020204030204" pitchFamily="49" charset="0"/>
+              </a:rPr>
+              <a:t> </a:t>
+            </a:r>
+            <a:r>
+              <a:rPr lang="it-IT" sz="2000" dirty="0" err="1">
+                <a:latin typeface="Consolas" panose="020B0609020204030204" pitchFamily="49" charset="0"/>
+              </a:rPr>
+              <a:t>const</a:t>
+            </a:r>
+            <a:r>
+              <a:rPr lang="it-IT" sz="2000" dirty="0">
+                <a:latin typeface="Consolas" panose="020B0609020204030204" pitchFamily="49" charset="0"/>
+              </a:rPr>
+              <a:t> &amp;</a:t>
+            </a:r>
+            <a:r>
+              <a:rPr lang="it-IT" sz="2000" dirty="0" err="1">
+                <a:latin typeface="Consolas" panose="020B0609020204030204" pitchFamily="49" charset="0"/>
+              </a:rPr>
+              <a:t>calendarName</a:t>
+            </a:r>
+            <a:r>
+              <a:rPr lang="it-IT" sz="2000" dirty="0">
+                <a:latin typeface="Consolas" panose="020B0609020204030204" pitchFamily="49" charset="0"/>
+              </a:rPr>
+              <a:t>) </a:t>
+            </a:r>
+            <a:r>
+              <a:rPr lang="it-IT" sz="2000" dirty="0"/>
+              <a:t>della classe API</a:t>
+            </a:r>
+            <a:endParaRPr lang="en-GB" sz="2000" dirty="0"/>
+          </a:p>
+        </p:txBody>
+      </p:sp>
+      <p:pic>
+        <p:nvPicPr>
+          <p:cNvPr id="5" name="Immagine 4">
+            <a:extLst>
+              <a:ext uri="{FF2B5EF4-FFF2-40B4-BE49-F238E27FC236}">
+                <a16:creationId xmlns:a16="http://schemas.microsoft.com/office/drawing/2014/main" id="{525C1690-ED2D-4A60-8C2A-8131FACF8EE2}"/>
+              </a:ext>
+            </a:extLst>
+          </p:cNvPr>
+          <p:cNvPicPr>
+            <a:picLocks noChangeAspect="1"/>
+          </p:cNvPicPr>
+          <p:nvPr/>
+        </p:nvPicPr>
+        <p:blipFill>
+          <a:blip r:embed="rId2"/>
+          <a:stretch>
+            <a:fillRect/>
+          </a:stretch>
+        </p:blipFill>
+        <p:spPr>
+          <a:xfrm>
+            <a:off x="4030186" y="4948286"/>
+            <a:ext cx="3010947" cy="936046"/>
+          </a:xfrm>
+          <a:prstGeom prst="rect">
+            <a:avLst/>
+          </a:prstGeom>
+        </p:spPr>
+      </p:pic>
+    </p:spTree>
+    <p:extLst>
+      <p:ext uri="{BB962C8B-B14F-4D97-AF65-F5344CB8AC3E}">
+        <p14:creationId xmlns:p14="http://schemas.microsoft.com/office/powerpoint/2010/main" val="1280726843"/>
+      </p:ext>
+    </p:extLst>
+  </p:cSld>
+  <p:clrMapOvr>
+    <a:masterClrMapping/>
+  </p:clrMapOvr>
+</p:sld>
+</file>
+
+<file path=ppt/slides/slide11.xml><?xml version="1.0" encoding="utf-8"?>
+<p:sld xmlns:a="http://schemas.openxmlformats.org/drawingml/2006/main" xmlns:r="http://schemas.openxmlformats.org/officeDocument/2006/relationships" xmlns:p="http://schemas.openxmlformats.org/presentationml/2006/main">
+  <p:cSld>
+    <p:spTree>
+      <p:nvGrpSpPr>
+        <p:cNvPr id="1" name=""/>
+        <p:cNvGrpSpPr/>
+        <p:nvPr/>
+      </p:nvGrpSpPr>
+      <p:grpSpPr>
+        <a:xfrm>
+          <a:off x="0" y="0"/>
+          <a:ext cx="0" cy="0"/>
+          <a:chOff x="0" y="0"/>
+          <a:chExt cx="0" cy="0"/>
+        </a:xfrm>
+      </p:grpSpPr>
+      <p:sp>
+        <p:nvSpPr>
+          <p:cNvPr id="2" name="Titolo 1">
+            <a:extLst>
+              <a:ext uri="{FF2B5EF4-FFF2-40B4-BE49-F238E27FC236}">
+                <a16:creationId xmlns:a16="http://schemas.microsoft.com/office/drawing/2014/main" id="{D5126BC9-09F6-4AF2-A1B1-29567F829CDA}"/>
+              </a:ext>
+            </a:extLst>
+          </p:cNvPr>
+          <p:cNvSpPr>
+            <a:spLocks noGrp="1"/>
+          </p:cNvSpPr>
+          <p:nvPr>
+            <p:ph type="title"/>
+          </p:nvPr>
+        </p:nvSpPr>
+        <p:spPr/>
+        <p:txBody>
+          <a:bodyPr/>
+          <a:lstStyle/>
+          <a:p>
+            <a:r>
+              <a:rPr lang="it-IT" dirty="0"/>
+              <a:t>Condivisione di un calendario (II)</a:t>
+            </a:r>
+            <a:endParaRPr lang="en-GB" dirty="0"/>
+          </a:p>
+        </p:txBody>
+      </p:sp>
+      <p:pic>
+        <p:nvPicPr>
+          <p:cNvPr id="5" name="Segnaposto contenuto 4">
+            <a:extLst>
+              <a:ext uri="{FF2B5EF4-FFF2-40B4-BE49-F238E27FC236}">
+                <a16:creationId xmlns:a16="http://schemas.microsoft.com/office/drawing/2014/main" id="{185D99F3-182C-462A-B604-4E79B57EF917}"/>
+              </a:ext>
+            </a:extLst>
+          </p:cNvPr>
+          <p:cNvPicPr>
+            <a:picLocks noGrp="1" noChangeAspect="1"/>
+          </p:cNvPicPr>
+          <p:nvPr>
+            <p:ph idx="1"/>
+          </p:nvPr>
+        </p:nvPicPr>
+        <p:blipFill>
+          <a:blip r:embed="rId2"/>
+          <a:stretch>
+            <a:fillRect/>
+          </a:stretch>
+        </p:blipFill>
+        <p:spPr>
+          <a:xfrm>
+            <a:off x="4200260" y="2750115"/>
+            <a:ext cx="3791479" cy="3048425"/>
+          </a:xfrm>
+        </p:spPr>
+      </p:pic>
+    </p:spTree>
+    <p:extLst>
+      <p:ext uri="{BB962C8B-B14F-4D97-AF65-F5344CB8AC3E}">
+        <p14:creationId xmlns:p14="http://schemas.microsoft.com/office/powerpoint/2010/main" val="78653285"/>
+      </p:ext>
+    </p:extLst>
+  </p:cSld>
+  <p:clrMapOvr>
+    <a:masterClrMapping/>
+  </p:clrMapOvr>
+</p:sld>
+</file>
+
+<file path=ppt/slides/slide12.xml><?xml version="1.0" encoding="utf-8"?>
+<p:sld xmlns:a="http://schemas.openxmlformats.org/drawingml/2006/main" xmlns:r="http://schemas.openxmlformats.org/officeDocument/2006/relationships" xmlns:p="http://schemas.openxmlformats.org/presentationml/2006/main">
+  <p:cSld>
+    <p:spTree>
+      <p:nvGrpSpPr>
+        <p:cNvPr id="1" name=""/>
+        <p:cNvGrpSpPr/>
+        <p:nvPr/>
+      </p:nvGrpSpPr>
+      <p:grpSpPr>
+        <a:xfrm>
+          <a:off x="0" y="0"/>
+          <a:ext cx="0" cy="0"/>
+          <a:chOff x="0" y="0"/>
+          <a:chExt cx="0" cy="0"/>
+        </a:xfrm>
+      </p:grpSpPr>
+      <p:sp>
+        <p:nvSpPr>
+          <p:cNvPr id="2" name="Titolo 1">
+            <a:extLst>
+              <a:ext uri="{FF2B5EF4-FFF2-40B4-BE49-F238E27FC236}">
                 <a16:creationId xmlns:a16="http://schemas.microsoft.com/office/drawing/2014/main" id="{EE5788DF-25C7-4A7F-89E2-F1AC3CE7DD33}"/>
               </a:ext>
             </a:extLst>
@@ -13470,14 +14064,184 @@
         </p:nvSpPr>
         <p:spPr/>
         <p:txBody>
-          <a:bodyPr/>
+          <a:bodyPr>
+            <a:normAutofit/>
+          </a:bodyPr>
           <a:lstStyle/>
           <a:p>
             <a:r>
-              <a:rPr lang="it-IT" dirty="0"/>
-              <a:t>Obiettivo primario della sincronizzazione nell’app e struttura della sincronizzazione</a:t>
-            </a:r>
-            <a:endParaRPr lang="en-GB" dirty="0"/>
+              <a:rPr lang="it-IT" sz="2000" dirty="0"/>
+              <a:t>Data la presenza della funzionalità di condivisione, vi è la necessità di avere una sincronizzazione costante tra client e server</a:t>
+            </a:r>
+          </a:p>
+          <a:p>
+            <a:r>
+              <a:rPr lang="it-IT" sz="2000" dirty="0"/>
+              <a:t>Ogni 0,5 secondi l’applicazione aggiorna la lista di calendari ed il calendario corrente</a:t>
+            </a:r>
+          </a:p>
+          <a:p>
+            <a:r>
+              <a:rPr lang="it-IT" sz="2000" dirty="0"/>
+              <a:t>L’applicazione è composta da quattro </a:t>
+            </a:r>
+            <a:r>
+              <a:rPr lang="it-IT" sz="2000" dirty="0" err="1"/>
+              <a:t>thread</a:t>
+            </a:r>
+            <a:r>
+              <a:rPr lang="it-IT" sz="2000" dirty="0"/>
+              <a:t>:</a:t>
+            </a:r>
+          </a:p>
+          <a:p>
+            <a:pPr lvl="1"/>
+            <a:r>
+              <a:rPr lang="en-GB" sz="1800" dirty="0"/>
+              <a:t>Thread </a:t>
+            </a:r>
+            <a:r>
+              <a:rPr lang="en-GB" sz="1800" dirty="0" err="1"/>
+              <a:t>principale</a:t>
+            </a:r>
+            <a:endParaRPr lang="en-GB" sz="1800" dirty="0"/>
+          </a:p>
+          <a:p>
+            <a:pPr lvl="1"/>
+            <a:r>
+              <a:rPr lang="en-GB" sz="1800" dirty="0"/>
+              <a:t>Thread </a:t>
+            </a:r>
+            <a:r>
+              <a:rPr lang="en-GB" sz="1800" dirty="0" err="1"/>
+              <a:t>che</a:t>
+            </a:r>
+            <a:r>
+              <a:rPr lang="en-GB" sz="1800" dirty="0"/>
+              <a:t> </a:t>
+            </a:r>
+            <a:r>
+              <a:rPr lang="en-GB" sz="1800" dirty="0" err="1"/>
+              <a:t>configura</a:t>
+            </a:r>
+            <a:r>
+              <a:rPr lang="en-GB" sz="1800" dirty="0"/>
+              <a:t> il timer e </a:t>
+            </a:r>
+            <a:r>
+              <a:rPr lang="en-GB" sz="1800" dirty="0" err="1"/>
+              <a:t>lancia</a:t>
+            </a:r>
+            <a:r>
+              <a:rPr lang="en-GB" sz="1800" dirty="0"/>
+              <a:t>  due </a:t>
+            </a:r>
+            <a:r>
+              <a:rPr lang="en-GB" sz="1800" dirty="0" err="1"/>
+              <a:t>ulteriori</a:t>
+            </a:r>
+            <a:r>
+              <a:rPr lang="en-GB" sz="1800" dirty="0"/>
+              <a:t> thread:</a:t>
+            </a:r>
+          </a:p>
+          <a:p>
+            <a:pPr lvl="2"/>
+            <a:r>
+              <a:rPr lang="en-GB" dirty="0"/>
+              <a:t>Un thread </a:t>
+            </a:r>
+            <a:r>
+              <a:rPr lang="en-GB" dirty="0" err="1"/>
+              <a:t>che</a:t>
+            </a:r>
+            <a:r>
+              <a:rPr lang="en-GB" dirty="0"/>
+              <a:t> </a:t>
+            </a:r>
+            <a:r>
+              <a:rPr lang="en-GB" dirty="0" err="1"/>
+              <a:t>aggiorna</a:t>
+            </a:r>
+            <a:r>
+              <a:rPr lang="en-GB" dirty="0"/>
+              <a:t> la </a:t>
+            </a:r>
+            <a:r>
+              <a:rPr lang="en-GB" dirty="0" err="1"/>
+              <a:t>lista</a:t>
+            </a:r>
+            <a:r>
+              <a:rPr lang="en-GB" dirty="0"/>
+              <a:t> </a:t>
+            </a:r>
+            <a:r>
+              <a:rPr lang="en-GB" dirty="0" err="1"/>
+              <a:t>dei</a:t>
+            </a:r>
+            <a:r>
+              <a:rPr lang="en-GB" dirty="0"/>
+              <a:t> calendar</a:t>
+            </a:r>
+          </a:p>
+          <a:p>
+            <a:pPr lvl="2"/>
+            <a:r>
+              <a:rPr lang="en-GB" dirty="0"/>
+              <a:t>Un thread </a:t>
+            </a:r>
+            <a:r>
+              <a:rPr lang="en-GB" dirty="0" err="1"/>
+              <a:t>che</a:t>
+            </a:r>
+            <a:r>
+              <a:rPr lang="en-GB" dirty="0"/>
+              <a:t> </a:t>
+            </a:r>
+            <a:r>
+              <a:rPr lang="en-GB" dirty="0" err="1"/>
+              <a:t>aggiorna</a:t>
+            </a:r>
+            <a:r>
+              <a:rPr lang="en-GB" dirty="0"/>
+              <a:t> il </a:t>
+            </a:r>
+            <a:r>
+              <a:rPr lang="en-GB" dirty="0" err="1"/>
+              <a:t>calendario</a:t>
+            </a:r>
+            <a:r>
+              <a:rPr lang="en-GB" dirty="0"/>
+              <a:t> </a:t>
+            </a:r>
+            <a:r>
+              <a:rPr lang="en-GB" dirty="0" err="1"/>
+              <a:t>attualmente</a:t>
+            </a:r>
+            <a:r>
+              <a:rPr lang="en-GB" dirty="0"/>
+              <a:t> </a:t>
+            </a:r>
+            <a:r>
+              <a:rPr lang="en-GB" dirty="0" err="1"/>
+              <a:t>selezionato</a:t>
+            </a:r>
+            <a:r>
+              <a:rPr lang="en-GB" dirty="0"/>
+              <a:t> (se </a:t>
+            </a:r>
+            <a:r>
+              <a:rPr lang="en-GB" dirty="0" err="1"/>
+              <a:t>condiviso</a:t>
+            </a:r>
+            <a:r>
+              <a:rPr lang="en-GB" dirty="0"/>
+              <a:t>)</a:t>
+            </a:r>
+          </a:p>
+          <a:p>
+            <a:pPr lvl="1"/>
+            <a:endParaRPr lang="en-GB" sz="1800" dirty="0"/>
           </a:p>
         </p:txBody>
       </p:sp>
@@ -13494,7 +14258,7 @@
 </p:sld>
 </file>
 
-<file path=ppt/slides/slide11.xml><?xml version="1.0" encoding="utf-8"?>
+<file path=ppt/slides/slide13.xml><?xml version="1.0" encoding="utf-8"?>
 <p:sld xmlns:a="http://schemas.openxmlformats.org/drawingml/2006/main" xmlns:r="http://schemas.openxmlformats.org/officeDocument/2006/relationships" xmlns:p="http://schemas.openxmlformats.org/presentationml/2006/main">
   <p:cSld>
     <p:spTree>
@@ -13558,30 +14322,119 @@
         </p:nvSpPr>
         <p:spPr/>
         <p:txBody>
-          <a:bodyPr/>
+          <a:bodyPr>
+            <a:normAutofit lnSpcReduction="10000"/>
+          </a:bodyPr>
           <a:lstStyle/>
           <a:p>
             <a:r>
-              <a:rPr lang="it-IT" dirty="0"/>
-              <a:t>Cosa abbiamo usato per la sincronizzazione in </a:t>
-            </a:r>
-            <a:r>
-              <a:rPr lang="it-IT" dirty="0" err="1"/>
-              <a:t>mainwindow</a:t>
-            </a:r>
-            <a:r>
-              <a:rPr lang="it-IT" dirty="0"/>
-              <a:t> e API (</a:t>
-            </a:r>
-            <a:r>
-              <a:rPr lang="it-IT" dirty="0" err="1"/>
-              <a:t>locks</a:t>
-            </a:r>
-            <a:r>
-              <a:rPr lang="it-IT" dirty="0"/>
-              <a:t>) e per la terminazione del programma</a:t>
-            </a:r>
-            <a:endParaRPr lang="en-GB" dirty="0"/>
+              <a:rPr lang="it-IT" sz="2000" dirty="0"/>
+              <a:t>Dato che i </a:t>
+            </a:r>
+            <a:r>
+              <a:rPr lang="it-IT" sz="2000" dirty="0" err="1"/>
+              <a:t>thread</a:t>
+            </a:r>
+            <a:r>
+              <a:rPr lang="it-IT" sz="2000" dirty="0"/>
+              <a:t> utilizzano dati condivisi, vi è la necessita di proteggere tali informazioni, a tal scopo abbiamo utilizzato dei </a:t>
+            </a:r>
+            <a:r>
+              <a:rPr lang="it-IT" sz="2000" dirty="0" err="1"/>
+              <a:t>mutex</a:t>
+            </a:r>
+            <a:endParaRPr lang="it-IT" sz="2000" dirty="0"/>
+          </a:p>
+          <a:p>
+            <a:r>
+              <a:rPr lang="it-IT" sz="2000" dirty="0"/>
+              <a:t>In API:</a:t>
+            </a:r>
+          </a:p>
+          <a:p>
+            <a:pPr lvl="1"/>
+            <a:r>
+              <a:rPr lang="it-IT" sz="1800" dirty="0"/>
+              <a:t>Abbiamo utilizzato un </a:t>
+            </a:r>
+            <a:r>
+              <a:rPr lang="it-IT" sz="1800" dirty="0" err="1"/>
+              <a:t>mutex</a:t>
+            </a:r>
+            <a:r>
+              <a:rPr lang="it-IT" sz="1800" dirty="0"/>
+              <a:t> per proteggere gli attributi statici della classe (username, </a:t>
+            </a:r>
+            <a:r>
+              <a:rPr lang="it-IT" sz="1800" dirty="0" err="1"/>
+              <a:t>calendarNames</a:t>
+            </a:r>
+            <a:r>
+              <a:rPr lang="it-IT" sz="1800" dirty="0"/>
+              <a:t>, etc.)</a:t>
+            </a:r>
+          </a:p>
+          <a:p>
+            <a:r>
+              <a:rPr lang="it-IT" sz="2000" dirty="0"/>
+              <a:t>In </a:t>
+            </a:r>
+            <a:r>
+              <a:rPr lang="it-IT" sz="2000" dirty="0" err="1"/>
+              <a:t>Mainwindow</a:t>
+            </a:r>
+            <a:r>
+              <a:rPr lang="it-IT" sz="2000" dirty="0"/>
+              <a:t>:</a:t>
+            </a:r>
+          </a:p>
+          <a:p>
+            <a:pPr lvl="1"/>
+            <a:r>
+              <a:rPr lang="it-IT" sz="1800" dirty="0"/>
+              <a:t>Anche qui abbiamo utilizzato un </a:t>
+            </a:r>
+            <a:r>
+              <a:rPr lang="it-IT" sz="1800" dirty="0" err="1"/>
+              <a:t>mutex</a:t>
+            </a:r>
+            <a:r>
+              <a:rPr lang="it-IT" sz="1800" dirty="0"/>
+              <a:t> per proteggere gli attributi acceduti dai vari </a:t>
+            </a:r>
+            <a:r>
+              <a:rPr lang="it-IT" sz="1800" dirty="0" err="1"/>
+              <a:t>thread</a:t>
+            </a:r>
+            <a:r>
+              <a:rPr lang="it-IT" sz="1800" dirty="0"/>
+              <a:t> (</a:t>
+            </a:r>
+            <a:r>
+              <a:rPr lang="it-IT" sz="1800" dirty="0" err="1"/>
+              <a:t>currentCalendar</a:t>
+            </a:r>
+            <a:r>
+              <a:rPr lang="it-IT" sz="1800" dirty="0"/>
+              <a:t>, </a:t>
+            </a:r>
+            <a:r>
+              <a:rPr lang="it-IT" sz="1800" dirty="0" err="1"/>
+              <a:t>eventMap</a:t>
+            </a:r>
+            <a:r>
+              <a:rPr lang="it-IT" sz="1800" dirty="0"/>
+              <a:t>, </a:t>
+            </a:r>
+            <a:r>
+              <a:rPr lang="it-IT" sz="1800" dirty="0" err="1"/>
+              <a:t>sharedNameMap</a:t>
+            </a:r>
+            <a:r>
+              <a:rPr lang="it-IT" sz="1800" dirty="0"/>
+              <a:t>, etc.)</a:t>
+            </a:r>
+            <a:endParaRPr lang="en-GB" sz="1800" dirty="0"/>
           </a:p>
         </p:txBody>
       </p:sp>
@@ -13669,6 +14522,39 @@
           <a:bodyPr/>
           <a:lstStyle/>
           <a:p>
+            <a:r>
+              <a:rPr lang="it-IT" sz="2000" dirty="0"/>
+              <a:t>RFC-4791</a:t>
+            </a:r>
+          </a:p>
+          <a:p>
+            <a:r>
+              <a:rPr lang="it-IT" sz="2000" dirty="0" err="1"/>
+              <a:t>CalDAV</a:t>
+            </a:r>
+            <a:r>
+              <a:rPr lang="it-IT" sz="2000" dirty="0"/>
+              <a:t> (</a:t>
+            </a:r>
+            <a:r>
+              <a:rPr lang="it-IT" sz="2000" dirty="0" err="1"/>
+              <a:t>Calendaring</a:t>
+            </a:r>
+            <a:r>
+              <a:rPr lang="it-IT" sz="2000" dirty="0"/>
+              <a:t> Extensions to WebDAV) è un protocollo di rete che permette l’accesso ad informazioni di scheduling in un server remoto</a:t>
+            </a:r>
+          </a:p>
+          <a:p>
+            <a:r>
+              <a:rPr lang="it-IT" sz="2000" dirty="0"/>
+              <a:t>Permette ad uno/più client di accedere ad informazioni condivise in lettura/scrittura</a:t>
+            </a:r>
+          </a:p>
+          <a:p>
+            <a:pPr marL="0" indent="0">
+              <a:buNone/>
+            </a:pPr>
             <a:endParaRPr lang="en-GB" dirty="0"/>
           </a:p>
         </p:txBody>
@@ -13754,10 +14640,52 @@
         </p:nvSpPr>
         <p:spPr/>
         <p:txBody>
-          <a:bodyPr/>
+          <a:bodyPr>
+            <a:normAutofit/>
+          </a:bodyPr>
           <a:lstStyle/>
           <a:p>
-            <a:endParaRPr lang="en-GB"/>
+            <a:r>
+              <a:rPr lang="it-IT" sz="2000" dirty="0" err="1"/>
+              <a:t>Sabre</a:t>
+            </a:r>
+            <a:r>
+              <a:rPr lang="it-IT" sz="2000" dirty="0"/>
+              <a:t>/DAV è un’implementazione di un server WebDAV che supporta </a:t>
+            </a:r>
+            <a:r>
+              <a:rPr lang="it-IT" sz="2000" dirty="0" err="1"/>
+              <a:t>CalDAV</a:t>
+            </a:r>
+            <a:endParaRPr lang="it-IT" sz="2000" dirty="0"/>
+          </a:p>
+          <a:p>
+            <a:r>
+              <a:rPr lang="it-IT" sz="2000" dirty="0"/>
+              <a:t>Abbiamo scelto </a:t>
+            </a:r>
+            <a:r>
+              <a:rPr lang="it-IT" sz="2000" dirty="0" err="1"/>
+              <a:t>Sabre</a:t>
+            </a:r>
+            <a:r>
+              <a:rPr lang="it-IT" sz="2000" dirty="0"/>
+              <a:t>/DAV come server per lo sviluppo del progetto e lo abbiamo installato su una macchina virtuale </a:t>
+            </a:r>
+            <a:r>
+              <a:rPr lang="it-IT" sz="2000" dirty="0" err="1"/>
+              <a:t>ubuntu</a:t>
+            </a:r>
+            <a:endParaRPr lang="it-IT" sz="2000" dirty="0"/>
+          </a:p>
+          <a:p>
+            <a:r>
+              <a:rPr lang="en-GB" sz="2000" dirty="0">
+                <a:hlinkClick r:id="rId2"/>
+              </a:rPr>
+              <a:t>https://sabre.io/dav/</a:t>
+            </a:r>
+            <a:endParaRPr lang="en-GB" sz="2000" dirty="0"/>
           </a:p>
         </p:txBody>
       </p:sp>
@@ -13838,47 +14766,69 @@
         </p:nvSpPr>
         <p:spPr/>
         <p:txBody>
-          <a:bodyPr/>
+          <a:bodyPr>
+            <a:normAutofit/>
+          </a:bodyPr>
           <a:lstStyle/>
           <a:p>
             <a:r>
-              <a:rPr lang="it-IT" dirty="0"/>
-              <a:t>Abbiamo scelto </a:t>
-            </a:r>
-            <a:r>
-              <a:rPr lang="it-IT" dirty="0" err="1"/>
+              <a:rPr lang="it-IT" sz="2000" dirty="0"/>
+              <a:t>Per la gestione delle richieste di rete abbiamo scelto la libreria </a:t>
+            </a:r>
+            <a:r>
+              <a:rPr lang="it-IT" sz="2000" dirty="0" err="1"/>
               <a:t>cURLpp</a:t>
             </a:r>
-            <a:endParaRPr lang="it-IT" dirty="0"/>
-          </a:p>
-          <a:p>
-            <a:r>
-              <a:rPr lang="it-IT" dirty="0"/>
-              <a:t>Spiega un po’ cosa è </a:t>
-            </a:r>
-            <a:r>
-              <a:rPr lang="it-IT" dirty="0" err="1"/>
-              <a:t>curlpp</a:t>
-            </a:r>
-            <a:r>
-              <a:rPr lang="it-IT" dirty="0"/>
-              <a:t> molto in breve</a:t>
-            </a:r>
-          </a:p>
-          <a:p>
-            <a:r>
-              <a:rPr lang="it-IT" dirty="0"/>
-              <a:t>Nelle slide successive parla delle classi </a:t>
-            </a:r>
-            <a:r>
-              <a:rPr lang="it-IT" dirty="0" err="1"/>
-              <a:t>API.h</a:t>
-            </a:r>
-            <a:r>
-              <a:rPr lang="it-IT" dirty="0"/>
-              <a:t> / .cpp</a:t>
-            </a:r>
-            <a:endParaRPr lang="en-GB" dirty="0"/>
+            <a:endParaRPr lang="it-IT" sz="2000" dirty="0"/>
+          </a:p>
+          <a:p>
+            <a:r>
+              <a:rPr lang="it-IT" sz="2000" dirty="0" err="1"/>
+              <a:t>cURLpp</a:t>
+            </a:r>
+            <a:r>
+              <a:rPr lang="it-IT" sz="2000" dirty="0"/>
+              <a:t> è un </a:t>
+            </a:r>
+            <a:r>
+              <a:rPr lang="it-IT" sz="2000" dirty="0" err="1"/>
+              <a:t>wrapper</a:t>
+            </a:r>
+            <a:r>
+              <a:rPr lang="it-IT" sz="2000" dirty="0"/>
+              <a:t> </a:t>
+            </a:r>
+            <a:r>
+              <a:rPr lang="it-IT" sz="2000" dirty="0" err="1"/>
+              <a:t>c++</a:t>
+            </a:r>
+            <a:r>
+              <a:rPr lang="it-IT" sz="2000" dirty="0"/>
+              <a:t> della libreria C </a:t>
+            </a:r>
+            <a:r>
+              <a:rPr lang="it-IT" sz="2000" dirty="0" err="1"/>
+              <a:t>cURL</a:t>
+            </a:r>
+            <a:endParaRPr lang="it-IT" sz="2000" dirty="0"/>
+          </a:p>
+          <a:p>
+            <a:r>
+              <a:rPr lang="it-IT" sz="2000" dirty="0"/>
+              <a:t>Permette una creazione semplice di richieste HTTP attraverso l’apposita configurazione di un oggetto </a:t>
+            </a:r>
+            <a:r>
+              <a:rPr lang="it-IT" sz="2000" dirty="0">
+                <a:latin typeface="Consolas" panose="020B0609020204030204" pitchFamily="49" charset="0"/>
+              </a:rPr>
+              <a:t>Easy</a:t>
+            </a:r>
+          </a:p>
+          <a:p>
+            <a:r>
+              <a:rPr lang="it-IT" sz="2000" dirty="0"/>
+              <a:t>All’interno del progetto le richieste di rete sono gestite nella classe API</a:t>
+            </a:r>
           </a:p>
         </p:txBody>
       </p:sp>
@@ -13917,6 +14867,922 @@
           <p:cNvPr id="2" name="Titolo 1">
             <a:extLst>
               <a:ext uri="{FF2B5EF4-FFF2-40B4-BE49-F238E27FC236}">
+                <a16:creationId xmlns:a16="http://schemas.microsoft.com/office/drawing/2014/main" id="{3FDE73EB-4990-472F-86C9-5836397403DD}"/>
+              </a:ext>
+            </a:extLst>
+          </p:cNvPr>
+          <p:cNvSpPr>
+            <a:spLocks noGrp="1"/>
+          </p:cNvSpPr>
+          <p:nvPr>
+            <p:ph type="title"/>
+          </p:nvPr>
+        </p:nvSpPr>
+        <p:spPr/>
+        <p:txBody>
+          <a:bodyPr/>
+          <a:lstStyle/>
+          <a:p>
+            <a:r>
+              <a:rPr lang="it-IT" dirty="0"/>
+              <a:t>API: attributi</a:t>
+            </a:r>
+            <a:endParaRPr lang="en-GB" dirty="0"/>
+          </a:p>
+        </p:txBody>
+      </p:sp>
+      <p:sp>
+        <p:nvSpPr>
+          <p:cNvPr id="3" name="Segnaposto contenuto 2">
+            <a:extLst>
+              <a:ext uri="{FF2B5EF4-FFF2-40B4-BE49-F238E27FC236}">
+                <a16:creationId xmlns:a16="http://schemas.microsoft.com/office/drawing/2014/main" id="{E422C7FA-1A35-4990-BE85-65A777F3612F}"/>
+              </a:ext>
+            </a:extLst>
+          </p:cNvPr>
+          <p:cNvSpPr>
+            <a:spLocks noGrp="1"/>
+          </p:cNvSpPr>
+          <p:nvPr>
+            <p:ph idx="1"/>
+          </p:nvPr>
+        </p:nvSpPr>
+        <p:spPr/>
+        <p:txBody>
+          <a:bodyPr/>
+          <a:lstStyle/>
+          <a:p>
+            <a:r>
+              <a:rPr lang="it-IT" sz="2000" dirty="0" err="1">
+                <a:latin typeface="Consolas" panose="020B0609020204030204" pitchFamily="49" charset="0"/>
+              </a:rPr>
+              <a:t>static</a:t>
+            </a:r>
+            <a:r>
+              <a:rPr lang="it-IT" sz="2000" dirty="0">
+                <a:latin typeface="Consolas" panose="020B0609020204030204" pitchFamily="49" charset="0"/>
+              </a:rPr>
+              <a:t> </a:t>
+            </a:r>
+            <a:r>
+              <a:rPr lang="it-IT" sz="2000" dirty="0" err="1">
+                <a:latin typeface="Consolas" panose="020B0609020204030204" pitchFamily="49" charset="0"/>
+              </a:rPr>
+              <a:t>std</a:t>
+            </a:r>
+            <a:r>
+              <a:rPr lang="it-IT" sz="2000" dirty="0">
+                <a:latin typeface="Consolas" panose="020B0609020204030204" pitchFamily="49" charset="0"/>
+              </a:rPr>
+              <a:t>::</a:t>
+            </a:r>
+            <a:r>
+              <a:rPr lang="it-IT" sz="2000" dirty="0" err="1">
+                <a:latin typeface="Consolas" panose="020B0609020204030204" pitchFamily="49" charset="0"/>
+              </a:rPr>
+              <a:t>string</a:t>
+            </a:r>
+            <a:r>
+              <a:rPr lang="it-IT" sz="2000" dirty="0">
+                <a:latin typeface="Consolas" panose="020B0609020204030204" pitchFamily="49" charset="0"/>
+              </a:rPr>
+              <a:t> IPADDRESS</a:t>
+            </a:r>
+          </a:p>
+          <a:p>
+            <a:r>
+              <a:rPr lang="it-IT" sz="2000" dirty="0" err="1">
+                <a:latin typeface="Consolas" panose="020B0609020204030204" pitchFamily="49" charset="0"/>
+              </a:rPr>
+              <a:t>static</a:t>
+            </a:r>
+            <a:r>
+              <a:rPr lang="it-IT" sz="2000" dirty="0">
+                <a:latin typeface="Consolas" panose="020B0609020204030204" pitchFamily="49" charset="0"/>
+              </a:rPr>
+              <a:t> </a:t>
+            </a:r>
+            <a:r>
+              <a:rPr lang="it-IT" sz="2000" dirty="0" err="1">
+                <a:latin typeface="Consolas" panose="020B0609020204030204" pitchFamily="49" charset="0"/>
+              </a:rPr>
+              <a:t>std</a:t>
+            </a:r>
+            <a:r>
+              <a:rPr lang="it-IT" sz="2000" dirty="0">
+                <a:latin typeface="Consolas" panose="020B0609020204030204" pitchFamily="49" charset="0"/>
+              </a:rPr>
+              <a:t>::</a:t>
+            </a:r>
+            <a:r>
+              <a:rPr lang="it-IT" sz="2000" dirty="0" err="1">
+                <a:latin typeface="Consolas" panose="020B0609020204030204" pitchFamily="49" charset="0"/>
+              </a:rPr>
+              <a:t>string</a:t>
+            </a:r>
+            <a:r>
+              <a:rPr lang="it-IT" sz="2000" dirty="0">
+                <a:latin typeface="Consolas" panose="020B0609020204030204" pitchFamily="49" charset="0"/>
+              </a:rPr>
+              <a:t> username</a:t>
+            </a:r>
+          </a:p>
+          <a:p>
+            <a:r>
+              <a:rPr lang="it-IT" sz="2000" dirty="0" err="1">
+                <a:latin typeface="Consolas" panose="020B0609020204030204" pitchFamily="49" charset="0"/>
+              </a:rPr>
+              <a:t>static</a:t>
+            </a:r>
+            <a:r>
+              <a:rPr lang="it-IT" sz="2000" dirty="0">
+                <a:latin typeface="Consolas" panose="020B0609020204030204" pitchFamily="49" charset="0"/>
+              </a:rPr>
+              <a:t> </a:t>
+            </a:r>
+            <a:r>
+              <a:rPr lang="it-IT" sz="2000" dirty="0" err="1">
+                <a:latin typeface="Consolas" panose="020B0609020204030204" pitchFamily="49" charset="0"/>
+              </a:rPr>
+              <a:t>std</a:t>
+            </a:r>
+            <a:r>
+              <a:rPr lang="it-IT" sz="2000" dirty="0">
+                <a:latin typeface="Consolas" panose="020B0609020204030204" pitchFamily="49" charset="0"/>
+              </a:rPr>
+              <a:t>::</a:t>
+            </a:r>
+            <a:r>
+              <a:rPr lang="it-IT" sz="2000" dirty="0" err="1">
+                <a:latin typeface="Consolas" panose="020B0609020204030204" pitchFamily="49" charset="0"/>
+              </a:rPr>
+              <a:t>string</a:t>
+            </a:r>
+            <a:r>
+              <a:rPr lang="it-IT" sz="2000" dirty="0">
+                <a:latin typeface="Consolas" panose="020B0609020204030204" pitchFamily="49" charset="0"/>
+              </a:rPr>
+              <a:t> password</a:t>
+            </a:r>
+          </a:p>
+          <a:p>
+            <a:r>
+              <a:rPr lang="it-IT" sz="2000" dirty="0" err="1">
+                <a:latin typeface="Consolas" panose="020B0609020204030204" pitchFamily="49" charset="0"/>
+              </a:rPr>
+              <a:t>static</a:t>
+            </a:r>
+            <a:r>
+              <a:rPr lang="it-IT" sz="2000" dirty="0">
+                <a:latin typeface="Consolas" panose="020B0609020204030204" pitchFamily="49" charset="0"/>
+              </a:rPr>
+              <a:t> </a:t>
+            </a:r>
+            <a:r>
+              <a:rPr lang="it-IT" sz="2000" dirty="0" err="1">
+                <a:latin typeface="Consolas" panose="020B0609020204030204" pitchFamily="49" charset="0"/>
+              </a:rPr>
+              <a:t>bool</a:t>
+            </a:r>
+            <a:r>
+              <a:rPr lang="it-IT" sz="2000" dirty="0">
+                <a:latin typeface="Consolas" panose="020B0609020204030204" pitchFamily="49" charset="0"/>
+              </a:rPr>
+              <a:t> </a:t>
+            </a:r>
+            <a:r>
+              <a:rPr lang="it-IT" sz="2000" dirty="0" err="1">
+                <a:latin typeface="Consolas" panose="020B0609020204030204" pitchFamily="49" charset="0"/>
+              </a:rPr>
+              <a:t>loggedIn</a:t>
+            </a:r>
+            <a:endParaRPr lang="it-IT" sz="2000" dirty="0">
+              <a:latin typeface="Consolas" panose="020B0609020204030204" pitchFamily="49" charset="0"/>
+            </a:endParaRPr>
+          </a:p>
+          <a:p>
+            <a:r>
+              <a:rPr lang="it-IT" sz="2000" dirty="0" err="1">
+                <a:latin typeface="Consolas" panose="020B0609020204030204" pitchFamily="49" charset="0"/>
+              </a:rPr>
+              <a:t>static</a:t>
+            </a:r>
+            <a:r>
+              <a:rPr lang="it-IT" sz="2000" dirty="0">
+                <a:latin typeface="Consolas" panose="020B0609020204030204" pitchFamily="49" charset="0"/>
+              </a:rPr>
+              <a:t> </a:t>
+            </a:r>
+            <a:r>
+              <a:rPr lang="it-IT" sz="2000" dirty="0" err="1">
+                <a:latin typeface="Consolas" panose="020B0609020204030204" pitchFamily="49" charset="0"/>
+              </a:rPr>
+              <a:t>std</a:t>
+            </a:r>
+            <a:r>
+              <a:rPr lang="it-IT" sz="2000" dirty="0">
+                <a:latin typeface="Consolas" panose="020B0609020204030204" pitchFamily="49" charset="0"/>
+              </a:rPr>
+              <a:t>::list&lt;</a:t>
+            </a:r>
+            <a:r>
+              <a:rPr lang="it-IT" sz="2000" dirty="0" err="1">
+                <a:latin typeface="Consolas" panose="020B0609020204030204" pitchFamily="49" charset="0"/>
+              </a:rPr>
+              <a:t>std</a:t>
+            </a:r>
+            <a:r>
+              <a:rPr lang="it-IT" sz="2000" dirty="0">
+                <a:latin typeface="Consolas" panose="020B0609020204030204" pitchFamily="49" charset="0"/>
+              </a:rPr>
+              <a:t>::</a:t>
+            </a:r>
+            <a:r>
+              <a:rPr lang="it-IT" sz="2000" dirty="0" err="1">
+                <a:latin typeface="Consolas" panose="020B0609020204030204" pitchFamily="49" charset="0"/>
+              </a:rPr>
+              <a:t>string</a:t>
+            </a:r>
+            <a:r>
+              <a:rPr lang="it-IT" sz="2000" dirty="0">
+                <a:latin typeface="Consolas" panose="020B0609020204030204" pitchFamily="49" charset="0"/>
+              </a:rPr>
+              <a:t>&gt; </a:t>
+            </a:r>
+            <a:r>
+              <a:rPr lang="it-IT" sz="2000" dirty="0" err="1">
+                <a:latin typeface="Consolas" panose="020B0609020204030204" pitchFamily="49" charset="0"/>
+              </a:rPr>
+              <a:t>calendarNames</a:t>
+            </a:r>
+            <a:endParaRPr lang="it-IT" sz="2000" dirty="0">
+              <a:latin typeface="Consolas" panose="020B0609020204030204" pitchFamily="49" charset="0"/>
+            </a:endParaRPr>
+          </a:p>
+          <a:p>
+            <a:r>
+              <a:rPr lang="it-IT" sz="2000" dirty="0" err="1">
+                <a:latin typeface="Consolas" panose="020B0609020204030204" pitchFamily="49" charset="0"/>
+              </a:rPr>
+              <a:t>std</a:t>
+            </a:r>
+            <a:r>
+              <a:rPr lang="it-IT" sz="2000" dirty="0">
+                <a:latin typeface="Consolas" panose="020B0609020204030204" pitchFamily="49" charset="0"/>
+              </a:rPr>
+              <a:t>::</a:t>
+            </a:r>
+            <a:r>
+              <a:rPr lang="it-IT" sz="2000" dirty="0" err="1">
+                <a:latin typeface="Consolas" panose="020B0609020204030204" pitchFamily="49" charset="0"/>
+              </a:rPr>
+              <a:t>mutex</a:t>
+            </a:r>
+            <a:r>
+              <a:rPr lang="it-IT" sz="2000" dirty="0">
+                <a:latin typeface="Consolas" panose="020B0609020204030204" pitchFamily="49" charset="0"/>
+              </a:rPr>
+              <a:t> m  </a:t>
+            </a:r>
+          </a:p>
+          <a:p>
+            <a:endParaRPr lang="en-GB" dirty="0"/>
+          </a:p>
+        </p:txBody>
+      </p:sp>
+    </p:spTree>
+    <p:extLst>
+      <p:ext uri="{BB962C8B-B14F-4D97-AF65-F5344CB8AC3E}">
+        <p14:creationId xmlns:p14="http://schemas.microsoft.com/office/powerpoint/2010/main" val="505835685"/>
+      </p:ext>
+    </p:extLst>
+  </p:cSld>
+  <p:clrMapOvr>
+    <a:masterClrMapping/>
+  </p:clrMapOvr>
+</p:sld>
+</file>
+
+<file path=ppt/slides/slide6.xml><?xml version="1.0" encoding="utf-8"?>
+<p:sld xmlns:a="http://schemas.openxmlformats.org/drawingml/2006/main" xmlns:r="http://schemas.openxmlformats.org/officeDocument/2006/relationships" xmlns:p="http://schemas.openxmlformats.org/presentationml/2006/main">
+  <p:cSld>
+    <p:spTree>
+      <p:nvGrpSpPr>
+        <p:cNvPr id="1" name=""/>
+        <p:cNvGrpSpPr/>
+        <p:nvPr/>
+      </p:nvGrpSpPr>
+      <p:grpSpPr>
+        <a:xfrm>
+          <a:off x="0" y="0"/>
+          <a:ext cx="0" cy="0"/>
+          <a:chOff x="0" y="0"/>
+          <a:chExt cx="0" cy="0"/>
+        </a:xfrm>
+      </p:grpSpPr>
+      <p:sp>
+        <p:nvSpPr>
+          <p:cNvPr id="2" name="Titolo 1">
+            <a:extLst>
+              <a:ext uri="{FF2B5EF4-FFF2-40B4-BE49-F238E27FC236}">
+                <a16:creationId xmlns:a16="http://schemas.microsoft.com/office/drawing/2014/main" id="{11443430-1199-4E06-9140-F2B9DAB268AC}"/>
+              </a:ext>
+            </a:extLst>
+          </p:cNvPr>
+          <p:cNvSpPr>
+            <a:spLocks noGrp="1"/>
+          </p:cNvSpPr>
+          <p:nvPr>
+            <p:ph type="title"/>
+          </p:nvPr>
+        </p:nvSpPr>
+        <p:spPr/>
+        <p:txBody>
+          <a:bodyPr/>
+          <a:lstStyle/>
+          <a:p>
+            <a:r>
+              <a:rPr lang="it-IT" dirty="0"/>
+              <a:t>API: funzioni membro principali</a:t>
+            </a:r>
+            <a:endParaRPr lang="en-GB" dirty="0"/>
+          </a:p>
+        </p:txBody>
+      </p:sp>
+      <p:sp>
+        <p:nvSpPr>
+          <p:cNvPr id="3" name="Segnaposto contenuto 2">
+            <a:extLst>
+              <a:ext uri="{FF2B5EF4-FFF2-40B4-BE49-F238E27FC236}">
+                <a16:creationId xmlns:a16="http://schemas.microsoft.com/office/drawing/2014/main" id="{851477D0-C739-4B02-99AF-D993E51C66DE}"/>
+              </a:ext>
+            </a:extLst>
+          </p:cNvPr>
+          <p:cNvSpPr>
+            <a:spLocks noGrp="1"/>
+          </p:cNvSpPr>
+          <p:nvPr>
+            <p:ph idx="1"/>
+          </p:nvPr>
+        </p:nvSpPr>
+        <p:spPr>
+          <a:xfrm>
+            <a:off x="1154954" y="2603499"/>
+            <a:ext cx="8825659" cy="3621131"/>
+          </a:xfrm>
+        </p:spPr>
+        <p:txBody>
+          <a:bodyPr>
+            <a:normAutofit/>
+          </a:bodyPr>
+          <a:lstStyle/>
+          <a:p>
+            <a:r>
+              <a:rPr lang="it-IT" sz="1600" dirty="0" err="1">
+                <a:latin typeface="Consolas" panose="020B0609020204030204" pitchFamily="49" charset="0"/>
+              </a:rPr>
+              <a:t>std</a:t>
+            </a:r>
+            <a:r>
+              <a:rPr lang="it-IT" sz="1600" dirty="0">
+                <a:latin typeface="Consolas" panose="020B0609020204030204" pitchFamily="49" charset="0"/>
+              </a:rPr>
+              <a:t>::list&lt;</a:t>
+            </a:r>
+            <a:r>
+              <a:rPr lang="it-IT" sz="1600" dirty="0" err="1">
+                <a:latin typeface="Consolas" panose="020B0609020204030204" pitchFamily="49" charset="0"/>
+              </a:rPr>
+              <a:t>std</a:t>
+            </a:r>
+            <a:r>
+              <a:rPr lang="it-IT" sz="1600" dirty="0">
+                <a:latin typeface="Consolas" panose="020B0609020204030204" pitchFamily="49" charset="0"/>
+              </a:rPr>
+              <a:t>::</a:t>
+            </a:r>
+            <a:r>
+              <a:rPr lang="it-IT" sz="1600" dirty="0" err="1">
+                <a:latin typeface="Consolas" panose="020B0609020204030204" pitchFamily="49" charset="0"/>
+              </a:rPr>
+              <a:t>string</a:t>
+            </a:r>
+            <a:r>
+              <a:rPr lang="it-IT" sz="1600" dirty="0">
+                <a:latin typeface="Consolas" panose="020B0609020204030204" pitchFamily="49" charset="0"/>
+              </a:rPr>
+              <a:t>&gt; </a:t>
+            </a:r>
+            <a:r>
+              <a:rPr lang="it-IT" sz="1600" dirty="0" err="1">
+                <a:latin typeface="Consolas" panose="020B0609020204030204" pitchFamily="49" charset="0"/>
+              </a:rPr>
+              <a:t>retrieveAllCalendars</a:t>
+            </a:r>
+            <a:r>
+              <a:rPr lang="it-IT" sz="1600" dirty="0">
+                <a:latin typeface="Consolas" panose="020B0609020204030204" pitchFamily="49" charset="0"/>
+              </a:rPr>
+              <a:t>()</a:t>
+            </a:r>
+          </a:p>
+          <a:p>
+            <a:r>
+              <a:rPr lang="en-GB" sz="1600" dirty="0">
+                <a:latin typeface="Consolas" panose="020B0609020204030204" pitchFamily="49" charset="0"/>
+              </a:rPr>
+              <a:t>long </a:t>
+            </a:r>
+            <a:r>
+              <a:rPr lang="en-GB" sz="1600" dirty="0" err="1">
+                <a:latin typeface="Consolas" panose="020B0609020204030204" pitchFamily="49" charset="0"/>
+              </a:rPr>
+              <a:t>createEmptyCalendar</a:t>
+            </a:r>
+            <a:r>
+              <a:rPr lang="en-GB" sz="1600" dirty="0">
+                <a:latin typeface="Consolas" panose="020B0609020204030204" pitchFamily="49" charset="0"/>
+              </a:rPr>
+              <a:t>(std::string </a:t>
+            </a:r>
+            <a:r>
+              <a:rPr lang="en-GB" sz="1600" dirty="0" err="1">
+                <a:latin typeface="Consolas" panose="020B0609020204030204" pitchFamily="49" charset="0"/>
+              </a:rPr>
+              <a:t>const</a:t>
+            </a:r>
+            <a:r>
+              <a:rPr lang="en-GB" sz="1600" dirty="0">
+                <a:latin typeface="Consolas" panose="020B0609020204030204" pitchFamily="49" charset="0"/>
+              </a:rPr>
+              <a:t> &amp;</a:t>
+            </a:r>
+            <a:r>
+              <a:rPr lang="en-GB" sz="1600" dirty="0" err="1">
+                <a:latin typeface="Consolas" panose="020B0609020204030204" pitchFamily="49" charset="0"/>
+              </a:rPr>
+              <a:t>calendarName</a:t>
+            </a:r>
+            <a:r>
+              <a:rPr lang="en-GB" sz="1600" dirty="0">
+                <a:latin typeface="Consolas" panose="020B0609020204030204" pitchFamily="49" charset="0"/>
+              </a:rPr>
+              <a:t>)</a:t>
+            </a:r>
+          </a:p>
+          <a:p>
+            <a:r>
+              <a:rPr lang="en-GB" sz="1600" dirty="0" err="1">
+                <a:latin typeface="Consolas" panose="020B0609020204030204" pitchFamily="49" charset="0"/>
+              </a:rPr>
+              <a:t>Vcalendar</a:t>
+            </a:r>
+            <a:r>
+              <a:rPr lang="en-GB" sz="1600" dirty="0">
+                <a:latin typeface="Consolas" panose="020B0609020204030204" pitchFamily="49" charset="0"/>
+              </a:rPr>
+              <a:t> </a:t>
+            </a:r>
+            <a:r>
+              <a:rPr lang="en-GB" sz="1600" dirty="0" err="1">
+                <a:latin typeface="Consolas" panose="020B0609020204030204" pitchFamily="49" charset="0"/>
+              </a:rPr>
+              <a:t>downloadCalendarObject</a:t>
+            </a:r>
+            <a:r>
+              <a:rPr lang="en-GB" sz="1600" dirty="0">
+                <a:latin typeface="Consolas" panose="020B0609020204030204" pitchFamily="49" charset="0"/>
+              </a:rPr>
+              <a:t>(std::string </a:t>
+            </a:r>
+            <a:r>
+              <a:rPr lang="en-GB" sz="1600" dirty="0" err="1">
+                <a:latin typeface="Consolas" panose="020B0609020204030204" pitchFamily="49" charset="0"/>
+              </a:rPr>
+              <a:t>const</a:t>
+            </a:r>
+            <a:r>
+              <a:rPr lang="en-GB" sz="1600" dirty="0">
+                <a:latin typeface="Consolas" panose="020B0609020204030204" pitchFamily="49" charset="0"/>
+              </a:rPr>
+              <a:t> &amp;</a:t>
+            </a:r>
+            <a:r>
+              <a:rPr lang="en-GB" sz="1600" dirty="0" err="1">
+                <a:latin typeface="Consolas" panose="020B0609020204030204" pitchFamily="49" charset="0"/>
+              </a:rPr>
+              <a:t>calendarName</a:t>
+            </a:r>
+            <a:r>
+              <a:rPr lang="en-GB" sz="1600" dirty="0">
+                <a:latin typeface="Consolas" panose="020B0609020204030204" pitchFamily="49" charset="0"/>
+              </a:rPr>
+              <a:t>)</a:t>
+            </a:r>
+          </a:p>
+          <a:p>
+            <a:r>
+              <a:rPr lang="en-GB" sz="1600" dirty="0">
+                <a:latin typeface="Consolas" panose="020B0609020204030204" pitchFamily="49" charset="0"/>
+              </a:rPr>
+              <a:t>std::list&lt;std::string&gt; </a:t>
+            </a:r>
+            <a:r>
+              <a:rPr lang="en-GB" sz="1600" dirty="0" err="1">
+                <a:latin typeface="Consolas" panose="020B0609020204030204" pitchFamily="49" charset="0"/>
+              </a:rPr>
+              <a:t>deleteCalendar</a:t>
+            </a:r>
+            <a:r>
+              <a:rPr lang="en-GB" sz="1600" dirty="0">
+                <a:latin typeface="Consolas" panose="020B0609020204030204" pitchFamily="49" charset="0"/>
+              </a:rPr>
+              <a:t>(std::string </a:t>
+            </a:r>
+            <a:r>
+              <a:rPr lang="en-GB" sz="1600" dirty="0" err="1">
+                <a:latin typeface="Consolas" panose="020B0609020204030204" pitchFamily="49" charset="0"/>
+              </a:rPr>
+              <a:t>const</a:t>
+            </a:r>
+            <a:r>
+              <a:rPr lang="en-GB" sz="1600" dirty="0">
+                <a:latin typeface="Consolas" panose="020B0609020204030204" pitchFamily="49" charset="0"/>
+              </a:rPr>
+              <a:t> &amp;name)</a:t>
+            </a:r>
+          </a:p>
+          <a:p>
+            <a:r>
+              <a:rPr lang="en-GB" sz="1600" dirty="0">
+                <a:latin typeface="Consolas" panose="020B0609020204030204" pitchFamily="49" charset="0"/>
+              </a:rPr>
+              <a:t>long </a:t>
+            </a:r>
+            <a:r>
+              <a:rPr lang="en-GB" sz="1600" dirty="0" err="1">
+                <a:latin typeface="Consolas" panose="020B0609020204030204" pitchFamily="49" charset="0"/>
+              </a:rPr>
+              <a:t>deleteIcs</a:t>
+            </a:r>
+            <a:r>
+              <a:rPr lang="en-GB" sz="1600" dirty="0">
+                <a:latin typeface="Consolas" panose="020B0609020204030204" pitchFamily="49" charset="0"/>
+              </a:rPr>
+              <a:t>(std::string </a:t>
+            </a:r>
+            <a:r>
+              <a:rPr lang="en-GB" sz="1600" dirty="0" err="1">
+                <a:latin typeface="Consolas" panose="020B0609020204030204" pitchFamily="49" charset="0"/>
+              </a:rPr>
+              <a:t>const</a:t>
+            </a:r>
+            <a:r>
+              <a:rPr lang="en-GB" sz="1600" dirty="0">
+                <a:latin typeface="Consolas" panose="020B0609020204030204" pitchFamily="49" charset="0"/>
+              </a:rPr>
+              <a:t> &amp;</a:t>
+            </a:r>
+            <a:r>
+              <a:rPr lang="en-GB" sz="1600" dirty="0" err="1">
+                <a:latin typeface="Consolas" panose="020B0609020204030204" pitchFamily="49" charset="0"/>
+              </a:rPr>
+              <a:t>uid</a:t>
+            </a:r>
+            <a:r>
+              <a:rPr lang="en-GB" sz="1600" dirty="0">
+                <a:latin typeface="Consolas" panose="020B0609020204030204" pitchFamily="49" charset="0"/>
+              </a:rPr>
+              <a:t>, std::string </a:t>
+            </a:r>
+            <a:r>
+              <a:rPr lang="en-GB" sz="1600" dirty="0" err="1">
+                <a:latin typeface="Consolas" panose="020B0609020204030204" pitchFamily="49" charset="0"/>
+              </a:rPr>
+              <a:t>const</a:t>
+            </a:r>
+            <a:r>
+              <a:rPr lang="en-GB" sz="1600" dirty="0">
+                <a:latin typeface="Consolas" panose="020B0609020204030204" pitchFamily="49" charset="0"/>
+              </a:rPr>
+              <a:t> &amp;</a:t>
+            </a:r>
+            <a:r>
+              <a:rPr lang="en-GB" sz="1600" dirty="0" err="1">
+                <a:latin typeface="Consolas" panose="020B0609020204030204" pitchFamily="49" charset="0"/>
+              </a:rPr>
+              <a:t>calName</a:t>
+            </a:r>
+            <a:r>
+              <a:rPr lang="en-GB" sz="1600" dirty="0">
+                <a:latin typeface="Consolas" panose="020B0609020204030204" pitchFamily="49" charset="0"/>
+              </a:rPr>
+              <a:t>)</a:t>
+            </a:r>
+          </a:p>
+          <a:p>
+            <a:r>
+              <a:rPr lang="en-GB" sz="1600" dirty="0">
+                <a:latin typeface="Consolas" panose="020B0609020204030204" pitchFamily="49" charset="0"/>
+              </a:rPr>
+              <a:t>long </a:t>
+            </a:r>
+            <a:r>
+              <a:rPr lang="en-GB" sz="1600" dirty="0" err="1">
+                <a:latin typeface="Consolas" panose="020B0609020204030204" pitchFamily="49" charset="0"/>
+              </a:rPr>
+              <a:t>createEvent</a:t>
+            </a:r>
+            <a:r>
+              <a:rPr lang="en-GB" sz="1600" dirty="0">
+                <a:latin typeface="Consolas" panose="020B0609020204030204" pitchFamily="49" charset="0"/>
+              </a:rPr>
+              <a:t>(std::string </a:t>
+            </a:r>
+            <a:r>
+              <a:rPr lang="en-GB" sz="1600" dirty="0" err="1">
+                <a:latin typeface="Consolas" panose="020B0609020204030204" pitchFamily="49" charset="0"/>
+              </a:rPr>
+              <a:t>const</a:t>
+            </a:r>
+            <a:r>
+              <a:rPr lang="en-GB" sz="1600" dirty="0">
+                <a:latin typeface="Consolas" panose="020B0609020204030204" pitchFamily="49" charset="0"/>
+              </a:rPr>
+              <a:t> &amp;summary, Date </a:t>
+            </a:r>
+            <a:r>
+              <a:rPr lang="en-GB" sz="1600" dirty="0" err="1">
+                <a:latin typeface="Consolas" panose="020B0609020204030204" pitchFamily="49" charset="0"/>
+              </a:rPr>
+              <a:t>const</a:t>
+            </a:r>
+            <a:r>
+              <a:rPr lang="en-GB" sz="1600" dirty="0">
+                <a:latin typeface="Consolas" panose="020B0609020204030204" pitchFamily="49" charset="0"/>
+              </a:rPr>
+              <a:t> &amp;</a:t>
+            </a:r>
+            <a:r>
+              <a:rPr lang="en-GB" sz="1600" dirty="0" err="1">
+                <a:latin typeface="Consolas" panose="020B0609020204030204" pitchFamily="49" charset="0"/>
+              </a:rPr>
+              <a:t>startDate</a:t>
+            </a:r>
+            <a:r>
+              <a:rPr lang="en-GB" sz="1600" dirty="0">
+                <a:latin typeface="Consolas" panose="020B0609020204030204" pitchFamily="49" charset="0"/>
+              </a:rPr>
+              <a:t>, …)</a:t>
+            </a:r>
+          </a:p>
+          <a:p>
+            <a:r>
+              <a:rPr lang="en-GB" sz="1600" dirty="0">
+                <a:latin typeface="Consolas" panose="020B0609020204030204" pitchFamily="49" charset="0"/>
+              </a:rPr>
+              <a:t>long </a:t>
+            </a:r>
+            <a:r>
+              <a:rPr lang="en-GB" sz="1600" dirty="0" err="1">
+                <a:latin typeface="Consolas" panose="020B0609020204030204" pitchFamily="49" charset="0"/>
+              </a:rPr>
+              <a:t>updateEvent</a:t>
+            </a:r>
+            <a:r>
+              <a:rPr lang="en-GB" sz="1600" dirty="0">
+                <a:latin typeface="Consolas" panose="020B0609020204030204" pitchFamily="49" charset="0"/>
+              </a:rPr>
+              <a:t>(std::string </a:t>
+            </a:r>
+            <a:r>
+              <a:rPr lang="en-GB" sz="1600" dirty="0" err="1">
+                <a:latin typeface="Consolas" panose="020B0609020204030204" pitchFamily="49" charset="0"/>
+              </a:rPr>
+              <a:t>const</a:t>
+            </a:r>
+            <a:r>
+              <a:rPr lang="en-GB" sz="1600" dirty="0">
+                <a:latin typeface="Consolas" panose="020B0609020204030204" pitchFamily="49" charset="0"/>
+              </a:rPr>
+              <a:t> &amp;</a:t>
+            </a:r>
+            <a:r>
+              <a:rPr lang="en-GB" sz="1600" dirty="0" err="1">
+                <a:latin typeface="Consolas" panose="020B0609020204030204" pitchFamily="49" charset="0"/>
+              </a:rPr>
+              <a:t>uid</a:t>
+            </a:r>
+            <a:r>
+              <a:rPr lang="en-GB" sz="1600" dirty="0">
+                <a:latin typeface="Consolas" panose="020B0609020204030204" pitchFamily="49" charset="0"/>
+              </a:rPr>
+              <a:t>, Date </a:t>
+            </a:r>
+            <a:r>
+              <a:rPr lang="en-GB" sz="1600" dirty="0" err="1">
+                <a:latin typeface="Consolas" panose="020B0609020204030204" pitchFamily="49" charset="0"/>
+              </a:rPr>
+              <a:t>const</a:t>
+            </a:r>
+            <a:r>
+              <a:rPr lang="en-GB" sz="1600" dirty="0">
+                <a:latin typeface="Consolas" panose="020B0609020204030204" pitchFamily="49" charset="0"/>
+              </a:rPr>
+              <a:t> &amp;</a:t>
+            </a:r>
+            <a:r>
+              <a:rPr lang="en-GB" sz="1600" dirty="0" err="1">
+                <a:latin typeface="Consolas" panose="020B0609020204030204" pitchFamily="49" charset="0"/>
+              </a:rPr>
+              <a:t>startDate</a:t>
+            </a:r>
+            <a:r>
+              <a:rPr lang="en-GB" sz="1600" dirty="0">
+                <a:latin typeface="Consolas" panose="020B0609020204030204" pitchFamily="49" charset="0"/>
+              </a:rPr>
+              <a:t>, …)</a:t>
+            </a:r>
+          </a:p>
+          <a:p>
+            <a:r>
+              <a:rPr lang="en-GB" sz="1600" dirty="0">
+                <a:latin typeface="Consolas" panose="020B0609020204030204" pitchFamily="49" charset="0"/>
+              </a:rPr>
+              <a:t>long </a:t>
+            </a:r>
+            <a:r>
+              <a:rPr lang="en-GB" sz="1600" dirty="0" err="1">
+                <a:latin typeface="Consolas" panose="020B0609020204030204" pitchFamily="49" charset="0"/>
+              </a:rPr>
+              <a:t>shareCalendar</a:t>
+            </a:r>
+            <a:r>
+              <a:rPr lang="en-GB" sz="1600" dirty="0">
+                <a:latin typeface="Consolas" panose="020B0609020204030204" pitchFamily="49" charset="0"/>
+              </a:rPr>
+              <a:t>(std::string </a:t>
+            </a:r>
+            <a:r>
+              <a:rPr lang="en-GB" sz="1600" dirty="0" err="1">
+                <a:latin typeface="Consolas" panose="020B0609020204030204" pitchFamily="49" charset="0"/>
+              </a:rPr>
+              <a:t>const</a:t>
+            </a:r>
+            <a:r>
+              <a:rPr lang="en-GB" sz="1600" dirty="0">
+                <a:latin typeface="Consolas" panose="020B0609020204030204" pitchFamily="49" charset="0"/>
+              </a:rPr>
+              <a:t> &amp;mail, std::string </a:t>
+            </a:r>
+            <a:r>
+              <a:rPr lang="en-GB" sz="1600" dirty="0" err="1">
+                <a:latin typeface="Consolas" panose="020B0609020204030204" pitchFamily="49" charset="0"/>
+              </a:rPr>
+              <a:t>const</a:t>
+            </a:r>
+            <a:r>
+              <a:rPr lang="en-GB" sz="1600" dirty="0">
+                <a:latin typeface="Consolas" panose="020B0609020204030204" pitchFamily="49" charset="0"/>
+              </a:rPr>
+              <a:t> &amp;</a:t>
+            </a:r>
+            <a:r>
+              <a:rPr lang="en-GB" sz="1600" dirty="0" err="1">
+                <a:latin typeface="Consolas" panose="020B0609020204030204" pitchFamily="49" charset="0"/>
+              </a:rPr>
+              <a:t>accessPolicy</a:t>
+            </a:r>
+            <a:r>
+              <a:rPr lang="en-GB" sz="1600" dirty="0">
+                <a:latin typeface="Consolas" panose="020B0609020204030204" pitchFamily="49" charset="0"/>
+              </a:rPr>
+              <a:t>, std::string </a:t>
+            </a:r>
+            <a:r>
+              <a:rPr lang="en-GB" sz="1600" dirty="0" err="1">
+                <a:latin typeface="Consolas" panose="020B0609020204030204" pitchFamily="49" charset="0"/>
+              </a:rPr>
+              <a:t>const</a:t>
+            </a:r>
+            <a:r>
+              <a:rPr lang="en-GB" sz="1600" dirty="0">
+                <a:latin typeface="Consolas" panose="020B0609020204030204" pitchFamily="49" charset="0"/>
+              </a:rPr>
+              <a:t> &amp;</a:t>
+            </a:r>
+            <a:r>
+              <a:rPr lang="en-GB" sz="1600" dirty="0" err="1">
+                <a:latin typeface="Consolas" panose="020B0609020204030204" pitchFamily="49" charset="0"/>
+              </a:rPr>
+              <a:t>calendarName</a:t>
+            </a:r>
+            <a:r>
+              <a:rPr lang="en-GB" sz="1600" dirty="0">
+                <a:latin typeface="Consolas" panose="020B0609020204030204" pitchFamily="49" charset="0"/>
+              </a:rPr>
+              <a:t>) </a:t>
+            </a:r>
+          </a:p>
+          <a:p>
+            <a:r>
+              <a:rPr lang="en-GB" sz="1600" dirty="0">
+                <a:latin typeface="Consolas" panose="020B0609020204030204" pitchFamily="49" charset="0"/>
+              </a:rPr>
+              <a:t>Bool </a:t>
+            </a:r>
+            <a:r>
+              <a:rPr lang="en-GB" sz="1600" dirty="0" err="1">
+                <a:latin typeface="Consolas" panose="020B0609020204030204" pitchFamily="49" charset="0"/>
+              </a:rPr>
+              <a:t>isShared</a:t>
+            </a:r>
+            <a:r>
+              <a:rPr lang="en-GB" sz="1600" dirty="0">
+                <a:latin typeface="Consolas" panose="020B0609020204030204" pitchFamily="49" charset="0"/>
+              </a:rPr>
+              <a:t>(std::string </a:t>
+            </a:r>
+            <a:r>
+              <a:rPr lang="en-GB" sz="1600" dirty="0" err="1">
+                <a:latin typeface="Consolas" panose="020B0609020204030204" pitchFamily="49" charset="0"/>
+              </a:rPr>
+              <a:t>const</a:t>
+            </a:r>
+            <a:r>
+              <a:rPr lang="en-GB" sz="1600" dirty="0">
+                <a:latin typeface="Consolas" panose="020B0609020204030204" pitchFamily="49" charset="0"/>
+              </a:rPr>
+              <a:t> &amp;</a:t>
+            </a:r>
+            <a:r>
+              <a:rPr lang="en-GB" sz="1600" dirty="0" err="1">
+                <a:latin typeface="Consolas" panose="020B0609020204030204" pitchFamily="49" charset="0"/>
+              </a:rPr>
+              <a:t>calendarName</a:t>
+            </a:r>
+            <a:r>
+              <a:rPr lang="en-GB" sz="1600" dirty="0">
+                <a:latin typeface="Consolas" panose="020B0609020204030204" pitchFamily="49" charset="0"/>
+              </a:rPr>
+              <a:t>, std::string &amp;</a:t>
+            </a:r>
+            <a:r>
+              <a:rPr lang="en-GB" sz="1600" dirty="0" err="1">
+                <a:latin typeface="Consolas" panose="020B0609020204030204" pitchFamily="49" charset="0"/>
+              </a:rPr>
+              <a:t>displayName</a:t>
+            </a:r>
+            <a:r>
+              <a:rPr lang="en-GB" sz="1600" dirty="0">
+                <a:latin typeface="Consolas" panose="020B0609020204030204" pitchFamily="49" charset="0"/>
+              </a:rPr>
+              <a:t>) </a:t>
+            </a:r>
+          </a:p>
+          <a:p>
+            <a:pPr marL="0" indent="0">
+              <a:buNone/>
+            </a:pPr>
+            <a:endParaRPr lang="en-GB" sz="1600" dirty="0"/>
+          </a:p>
+        </p:txBody>
+      </p:sp>
+    </p:spTree>
+    <p:extLst>
+      <p:ext uri="{BB962C8B-B14F-4D97-AF65-F5344CB8AC3E}">
+        <p14:creationId xmlns:p14="http://schemas.microsoft.com/office/powerpoint/2010/main" val="2052776568"/>
+      </p:ext>
+    </p:extLst>
+  </p:cSld>
+  <p:clrMapOvr>
+    <a:masterClrMapping/>
+  </p:clrMapOvr>
+</p:sld>
+</file>
+
+<file path=ppt/slides/slide7.xml><?xml version="1.0" encoding="utf-8"?>
+<p:sld xmlns:a="http://schemas.openxmlformats.org/drawingml/2006/main" xmlns:r="http://schemas.openxmlformats.org/officeDocument/2006/relationships" xmlns:p="http://schemas.openxmlformats.org/presentationml/2006/main">
+  <p:cSld>
+    <p:spTree>
+      <p:nvGrpSpPr>
+        <p:cNvPr id="1" name=""/>
+        <p:cNvGrpSpPr/>
+        <p:nvPr/>
+      </p:nvGrpSpPr>
+      <p:grpSpPr>
+        <a:xfrm>
+          <a:off x="0" y="0"/>
+          <a:ext cx="0" cy="0"/>
+          <a:chOff x="0" y="0"/>
+          <a:chExt cx="0" cy="0"/>
+        </a:xfrm>
+      </p:grpSpPr>
+      <p:sp>
+        <p:nvSpPr>
+          <p:cNvPr id="2" name="Titolo 1">
+            <a:extLst>
+              <a:ext uri="{FF2B5EF4-FFF2-40B4-BE49-F238E27FC236}">
                 <a16:creationId xmlns:a16="http://schemas.microsoft.com/office/drawing/2014/main" id="{7EA8F7E5-EC32-4097-964B-524FB7584425}"/>
               </a:ext>
             </a:extLst>
@@ -13961,35 +15827,237 @@
             <p:ph idx="1"/>
           </p:nvPr>
         </p:nvSpPr>
-        <p:spPr/>
+        <p:spPr>
+          <a:xfrm>
+            <a:off x="1154955" y="2603500"/>
+            <a:ext cx="6411916" cy="2609168"/>
+          </a:xfrm>
+        </p:spPr>
         <p:txBody>
-          <a:bodyPr/>
+          <a:bodyPr>
+            <a:normAutofit/>
+          </a:bodyPr>
           <a:lstStyle/>
           <a:p>
             <a:r>
-              <a:rPr lang="it-IT" dirty="0"/>
-              <a:t>Come abbiamo gestito lato software i calendari, eventi e </a:t>
-            </a:r>
-            <a:r>
-              <a:rPr lang="it-IT" dirty="0" err="1"/>
+              <a:rPr lang="it-IT" sz="2000" dirty="0"/>
+              <a:t>Eventi e </a:t>
+            </a:r>
+            <a:r>
+              <a:rPr lang="it-IT" sz="2000" dirty="0" err="1"/>
               <a:t>todo</a:t>
             </a:r>
             <a:r>
-              <a:rPr lang="it-IT" dirty="0"/>
-              <a:t> (parser, calendario con vettore di eventi e </a:t>
-            </a:r>
-            <a:r>
-              <a:rPr lang="it-IT" dirty="0" err="1"/>
+              <a:rPr lang="it-IT" sz="2000" dirty="0"/>
+              <a:t> vengono esportati in </a:t>
+            </a:r>
+            <a:r>
+              <a:rPr lang="it-IT" sz="2000" dirty="0" err="1"/>
+              <a:t>CalDAV</a:t>
+            </a:r>
+            <a:r>
+              <a:rPr lang="it-IT" sz="2000" dirty="0"/>
+              <a:t> come file di estensione .ics (</a:t>
+            </a:r>
+            <a:r>
+              <a:rPr lang="it-IT" sz="2000" dirty="0" err="1"/>
+              <a:t>iCalendar</a:t>
+            </a:r>
+            <a:r>
+              <a:rPr lang="it-IT" sz="2000" dirty="0"/>
+              <a:t>)</a:t>
+            </a:r>
+          </a:p>
+          <a:p>
+            <a:r>
+              <a:rPr lang="en-GB" sz="2000" dirty="0" err="1"/>
+              <a:t>All’interno</a:t>
+            </a:r>
+            <a:r>
+              <a:rPr lang="en-GB" sz="2000" dirty="0"/>
+              <a:t> del Progetto </a:t>
+            </a:r>
+            <a:r>
+              <a:rPr lang="en-GB" sz="2000" dirty="0" err="1"/>
+              <a:t>sono</a:t>
+            </a:r>
+            <a:r>
+              <a:rPr lang="en-GB" sz="2000" dirty="0"/>
+              <a:t> </a:t>
+            </a:r>
+            <a:r>
+              <a:rPr lang="en-GB" sz="2000" dirty="0" err="1"/>
+              <a:t>presenti</a:t>
+            </a:r>
+            <a:r>
+              <a:rPr lang="en-GB" sz="2000" dirty="0"/>
+              <a:t> le </a:t>
+            </a:r>
+            <a:r>
+              <a:rPr lang="en-GB" sz="2000" dirty="0" err="1"/>
+              <a:t>classi</a:t>
+            </a:r>
+            <a:r>
+              <a:rPr lang="en-GB" sz="2000" dirty="0"/>
+              <a:t> </a:t>
+            </a:r>
+            <a:r>
+              <a:rPr lang="en-GB" sz="2000" dirty="0" err="1"/>
+              <a:t>Vevent</a:t>
+            </a:r>
+            <a:r>
+              <a:rPr lang="en-GB" sz="2000" dirty="0"/>
+              <a:t> e </a:t>
+            </a:r>
+            <a:r>
+              <a:rPr lang="en-GB" sz="2000" dirty="0" err="1"/>
+              <a:t>Vtodo</a:t>
+            </a:r>
+            <a:r>
+              <a:rPr lang="en-GB" sz="2000" dirty="0"/>
+              <a:t> </a:t>
+            </a:r>
+            <a:r>
+              <a:rPr lang="en-GB" sz="2000" dirty="0" err="1"/>
+              <a:t>che</a:t>
+            </a:r>
+            <a:r>
+              <a:rPr lang="en-GB" sz="2000" dirty="0"/>
+              <a:t> </a:t>
+            </a:r>
+            <a:r>
+              <a:rPr lang="en-GB" sz="2000" dirty="0" err="1"/>
+              <a:t>rappresentano</a:t>
+            </a:r>
+            <a:r>
+              <a:rPr lang="en-GB" sz="2000" dirty="0"/>
+              <a:t> </a:t>
+            </a:r>
+            <a:r>
+              <a:rPr lang="en-GB" sz="2000" dirty="0" err="1"/>
+              <a:t>rispettivamente</a:t>
+            </a:r>
+            <a:r>
+              <a:rPr lang="en-GB" sz="2000" dirty="0"/>
+              <a:t> un </a:t>
+            </a:r>
+            <a:r>
+              <a:rPr lang="en-GB" sz="2000" dirty="0" err="1"/>
+              <a:t>evento</a:t>
+            </a:r>
+            <a:r>
+              <a:rPr lang="en-GB" sz="2000" dirty="0"/>
+              <a:t> e un </a:t>
+            </a:r>
+            <a:r>
+              <a:rPr lang="en-GB" sz="2000" dirty="0" err="1"/>
               <a:t>todo</a:t>
             </a:r>
-            <a:r>
-              <a:rPr lang="it-IT" dirty="0"/>
-              <a:t>) e classi che si occupano di ciò</a:t>
-            </a:r>
-            <a:endParaRPr lang="en-GB" dirty="0"/>
+            <a:endParaRPr lang="en-GB" sz="2000" dirty="0"/>
+          </a:p>
+          <a:p>
+            <a:r>
+              <a:rPr lang="en-GB" sz="2000" dirty="0" err="1"/>
+              <a:t>Tali</a:t>
+            </a:r>
+            <a:r>
+              <a:rPr lang="en-GB" sz="2000" dirty="0"/>
+              <a:t> </a:t>
+            </a:r>
+            <a:r>
+              <a:rPr lang="en-GB" sz="2000" dirty="0" err="1"/>
+              <a:t>oggetti</a:t>
+            </a:r>
+            <a:r>
+              <a:rPr lang="en-GB" sz="2000" dirty="0"/>
+              <a:t> </a:t>
+            </a:r>
+            <a:r>
+              <a:rPr lang="en-GB" sz="2000" dirty="0" err="1"/>
+              <a:t>vengono</a:t>
+            </a:r>
+            <a:r>
+              <a:rPr lang="en-GB" sz="2000" dirty="0"/>
+              <a:t> </a:t>
+            </a:r>
+            <a:r>
+              <a:rPr lang="en-GB" sz="2000" dirty="0" err="1"/>
+              <a:t>creati</a:t>
+            </a:r>
+            <a:r>
+              <a:rPr lang="en-GB" sz="2000" dirty="0"/>
+              <a:t> a </a:t>
+            </a:r>
+            <a:r>
+              <a:rPr lang="en-GB" sz="2000" dirty="0" err="1"/>
+              <a:t>partire</a:t>
+            </a:r>
+            <a:r>
+              <a:rPr lang="en-GB" sz="2000" dirty="0"/>
+              <a:t> da un file </a:t>
+            </a:r>
+            <a:r>
+              <a:rPr lang="en-GB" sz="2000" dirty="0" err="1"/>
+              <a:t>ics</a:t>
+            </a:r>
+            <a:r>
+              <a:rPr lang="en-GB" sz="2000" dirty="0"/>
+              <a:t> </a:t>
+            </a:r>
+            <a:r>
+              <a:rPr lang="en-GB" sz="2000" dirty="0" err="1"/>
+              <a:t>attraverso</a:t>
+            </a:r>
+            <a:r>
+              <a:rPr lang="en-GB" sz="2000" dirty="0"/>
+              <a:t> la </a:t>
+            </a:r>
+            <a:r>
+              <a:rPr lang="en-GB" sz="2000" dirty="0" err="1"/>
+              <a:t>classe</a:t>
+            </a:r>
+            <a:r>
+              <a:rPr lang="en-GB" sz="2000" dirty="0"/>
+              <a:t> </a:t>
+            </a:r>
+            <a:r>
+              <a:rPr lang="en-GB" sz="2000" dirty="0" err="1"/>
+              <a:t>IcsParser</a:t>
+            </a:r>
+            <a:endParaRPr lang="en-GB" sz="2000" dirty="0"/>
           </a:p>
         </p:txBody>
       </p:sp>
+      <p:pic>
+        <p:nvPicPr>
+          <p:cNvPr id="5" name="Immagine 4" descr="Immagine che contiene testo&#10;&#10;Descrizione generata automaticamente">
+            <a:extLst>
+              <a:ext uri="{FF2B5EF4-FFF2-40B4-BE49-F238E27FC236}">
+                <a16:creationId xmlns:a16="http://schemas.microsoft.com/office/drawing/2014/main" id="{726D50E5-F887-4ABE-A490-DFA48F7F2E65}"/>
+              </a:ext>
+            </a:extLst>
+          </p:cNvPr>
+          <p:cNvPicPr>
+            <a:picLocks noChangeAspect="1"/>
+          </p:cNvPicPr>
+          <p:nvPr/>
+        </p:nvPicPr>
+        <p:blipFill>
+          <a:blip r:embed="rId2"/>
+          <a:stretch>
+            <a:fillRect/>
+          </a:stretch>
+        </p:blipFill>
+        <p:spPr>
+          <a:xfrm>
+            <a:off x="7566871" y="2873690"/>
+            <a:ext cx="4286383" cy="2068788"/>
+          </a:xfrm>
+          <a:prstGeom prst="rect">
+            <a:avLst/>
+          </a:prstGeom>
+        </p:spPr>
+      </p:pic>
     </p:spTree>
     <p:extLst>
       <p:ext uri="{BB962C8B-B14F-4D97-AF65-F5344CB8AC3E}">
@@ -14003,7 +16071,7 @@
 </p:sld>
 </file>
 
-<file path=ppt/slides/slide6.xml><?xml version="1.0" encoding="utf-8"?>
+<file path=ppt/slides/slide8.xml><?xml version="1.0" encoding="utf-8"?>
 <p:sld xmlns:a="http://schemas.openxmlformats.org/drawingml/2006/main" xmlns:r="http://schemas.openxmlformats.org/officeDocument/2006/relationships" xmlns:p="http://schemas.openxmlformats.org/presentationml/2006/main">
   <p:cSld>
     <p:spTree>
@@ -14071,10 +16139,86 @@
           <a:lstStyle/>
           <a:p>
             <a:r>
-              <a:rPr lang="it-IT" dirty="0"/>
-              <a:t>Abbiamo utilizzato QT e parla un po’ delle classi principali</a:t>
+              <a:rPr lang="it-IT" sz="2000" dirty="0"/>
+              <a:t>Per quanto riguarda l’ambiente grafico abbiamo scelto di utilizzare QT</a:t>
+            </a:r>
+          </a:p>
+          <a:p>
+            <a:r>
+              <a:rPr lang="en-GB" dirty="0"/>
+              <a:t>Qui </a:t>
+            </a:r>
+            <a:r>
+              <a:rPr lang="en-GB" dirty="0" err="1"/>
+              <a:t>riportate</a:t>
+            </a:r>
+            <a:r>
+              <a:rPr lang="en-GB" dirty="0"/>
+              <a:t> </a:t>
+            </a:r>
+            <a:r>
+              <a:rPr lang="en-GB" dirty="0" err="1"/>
+              <a:t>alcune</a:t>
+            </a:r>
+            <a:r>
+              <a:rPr lang="en-GB" dirty="0"/>
+              <a:t> </a:t>
+            </a:r>
+            <a:r>
+              <a:rPr lang="en-GB" dirty="0" err="1"/>
+              <a:t>delle</a:t>
+            </a:r>
+            <a:r>
+              <a:rPr lang="en-GB" dirty="0"/>
+              <a:t> </a:t>
+            </a:r>
+            <a:r>
+              <a:rPr lang="en-GB" dirty="0" err="1"/>
+              <a:t>classi</a:t>
+            </a:r>
+            <a:r>
+              <a:rPr lang="en-GB" dirty="0"/>
+              <a:t> QT:</a:t>
+            </a:r>
+          </a:p>
+          <a:p>
+            <a:pPr marL="685800" lvl="1"/>
+            <a:r>
+              <a:rPr lang="en-GB" dirty="0" err="1"/>
+              <a:t>Mainwindow</a:t>
             </a:r>
             <a:endParaRPr lang="en-GB" dirty="0"/>
+          </a:p>
+          <a:p>
+            <a:pPr marL="685800" lvl="1"/>
+            <a:r>
+              <a:rPr lang="en-GB" dirty="0" err="1"/>
+              <a:t>Loginwindow</a:t>
+            </a:r>
+            <a:endParaRPr lang="en-GB" dirty="0"/>
+          </a:p>
+          <a:p>
+            <a:pPr marL="685800" lvl="1"/>
+            <a:r>
+              <a:rPr lang="en-GB" dirty="0" err="1"/>
+              <a:t>Event_information</a:t>
+            </a:r>
+            <a:endParaRPr lang="en-GB" dirty="0"/>
+          </a:p>
+          <a:p>
+            <a:pPr marL="685800" lvl="1"/>
+            <a:r>
+              <a:rPr lang="en-GB" dirty="0" err="1"/>
+              <a:t>Createevent</a:t>
+            </a:r>
+            <a:endParaRPr lang="en-GB" dirty="0"/>
+          </a:p>
+          <a:p>
+            <a:pPr marL="685800" lvl="1"/>
+            <a:r>
+              <a:rPr lang="en-GB" dirty="0"/>
+              <a:t>…</a:t>
+            </a:r>
           </a:p>
         </p:txBody>
       </p:sp>
@@ -14091,7 +16235,7 @@
 </p:sld>
 </file>
 
-<file path=ppt/slides/slide7.xml><?xml version="1.0" encoding="utf-8"?>
+<file path=ppt/slides/slide9.xml><?xml version="1.0" encoding="utf-8"?>
 <p:sld xmlns:a="http://schemas.openxmlformats.org/drawingml/2006/main" xmlns:r="http://schemas.openxmlformats.org/officeDocument/2006/relationships" xmlns:p="http://schemas.openxmlformats.org/presentationml/2006/main">
   <p:cSld>
     <p:spTree>
@@ -14137,235 +16281,39 @@
           </a:p>
         </p:txBody>
       </p:sp>
-      <p:sp>
-        <p:nvSpPr>
-          <p:cNvPr id="3" name="Segnaposto contenuto 2">
+      <p:pic>
+        <p:nvPicPr>
+          <p:cNvPr id="5" name="Segnaposto contenuto 4">
             <a:extLst>
               <a:ext uri="{FF2B5EF4-FFF2-40B4-BE49-F238E27FC236}">
-                <a16:creationId xmlns:a16="http://schemas.microsoft.com/office/drawing/2014/main" id="{6C247B3A-D92C-43FB-B0DF-C3206D21867F}"/>
+                <a16:creationId xmlns:a16="http://schemas.microsoft.com/office/drawing/2014/main" id="{0E230736-6A0E-424A-B6C8-3F07B7A4E4E4}"/>
               </a:ext>
             </a:extLst>
           </p:cNvPr>
-          <p:cNvSpPr>
-            <a:spLocks noGrp="1"/>
-          </p:cNvSpPr>
+          <p:cNvPicPr>
+            <a:picLocks noGrp="1" noChangeAspect="1"/>
+          </p:cNvPicPr>
           <p:nvPr>
             <p:ph idx="1"/>
           </p:nvPr>
-        </p:nvSpPr>
-        <p:spPr/>
-        <p:txBody>
-          <a:bodyPr/>
-          <a:lstStyle/>
-          <a:p>
-            <a:r>
-              <a:rPr lang="it-IT" dirty="0"/>
-              <a:t>Foto della pagina principale</a:t>
-            </a:r>
-            <a:endParaRPr lang="en-GB" dirty="0"/>
-          </a:p>
-        </p:txBody>
-      </p:sp>
+        </p:nvPicPr>
+        <p:blipFill>
+          <a:blip r:embed="rId2"/>
+          <a:stretch>
+            <a:fillRect/>
+          </a:stretch>
+        </p:blipFill>
+        <p:spPr>
+          <a:xfrm>
+            <a:off x="2294217" y="2754501"/>
+            <a:ext cx="7603566" cy="3416300"/>
+          </a:xfrm>
+        </p:spPr>
+      </p:pic>
     </p:spTree>
     <p:extLst>
       <p:ext uri="{BB962C8B-B14F-4D97-AF65-F5344CB8AC3E}">
         <p14:creationId xmlns:p14="http://schemas.microsoft.com/office/powerpoint/2010/main" val="1049317848"/>
-      </p:ext>
-    </p:extLst>
-  </p:cSld>
-  <p:clrMapOvr>
-    <a:masterClrMapping/>
-  </p:clrMapOvr>
-</p:sld>
-</file>
-
-<file path=ppt/slides/slide8.xml><?xml version="1.0" encoding="utf-8"?>
-<p:sld xmlns:a="http://schemas.openxmlformats.org/drawingml/2006/main" xmlns:r="http://schemas.openxmlformats.org/officeDocument/2006/relationships" xmlns:p="http://schemas.openxmlformats.org/presentationml/2006/main">
-  <p:cSld>
-    <p:spTree>
-      <p:nvGrpSpPr>
-        <p:cNvPr id="1" name=""/>
-        <p:cNvGrpSpPr/>
-        <p:nvPr/>
-      </p:nvGrpSpPr>
-      <p:grpSpPr>
-        <a:xfrm>
-          <a:off x="0" y="0"/>
-          <a:ext cx="0" cy="0"/>
-          <a:chOff x="0" y="0"/>
-          <a:chExt cx="0" cy="0"/>
-        </a:xfrm>
-      </p:grpSpPr>
-      <p:sp>
-        <p:nvSpPr>
-          <p:cNvPr id="2" name="Titolo 1">
-            <a:extLst>
-              <a:ext uri="{FF2B5EF4-FFF2-40B4-BE49-F238E27FC236}">
-                <a16:creationId xmlns:a16="http://schemas.microsoft.com/office/drawing/2014/main" id="{EA9E80A2-C334-4392-AAE7-BFE9E6AD8EE2}"/>
-              </a:ext>
-            </a:extLst>
-          </p:cNvPr>
-          <p:cNvSpPr>
-            <a:spLocks noGrp="1"/>
-          </p:cNvSpPr>
-          <p:nvPr>
-            <p:ph type="title"/>
-          </p:nvPr>
-        </p:nvSpPr>
-        <p:spPr/>
-        <p:txBody>
-          <a:bodyPr/>
-          <a:lstStyle/>
-          <a:p>
-            <a:r>
-              <a:rPr lang="it-IT" dirty="0"/>
-              <a:t>Condivisione di un calendario</a:t>
-            </a:r>
-            <a:endParaRPr lang="en-GB" dirty="0"/>
-          </a:p>
-        </p:txBody>
-      </p:sp>
-      <p:sp>
-        <p:nvSpPr>
-          <p:cNvPr id="3" name="Segnaposto contenuto 2">
-            <a:extLst>
-              <a:ext uri="{FF2B5EF4-FFF2-40B4-BE49-F238E27FC236}">
-                <a16:creationId xmlns:a16="http://schemas.microsoft.com/office/drawing/2014/main" id="{97E1BDA9-2247-4AD0-9C67-686EBDCC27FF}"/>
-              </a:ext>
-            </a:extLst>
-          </p:cNvPr>
-          <p:cNvSpPr>
-            <a:spLocks noGrp="1"/>
-          </p:cNvSpPr>
-          <p:nvPr>
-            <p:ph idx="1"/>
-          </p:nvPr>
-        </p:nvSpPr>
-        <p:spPr/>
-        <p:txBody>
-          <a:bodyPr/>
-          <a:lstStyle/>
-          <a:p>
-            <a:r>
-              <a:rPr lang="it-IT" dirty="0"/>
-              <a:t>Parlare della </a:t>
-            </a:r>
-            <a:r>
-              <a:rPr lang="it-IT" dirty="0" err="1"/>
-              <a:t>possibillità</a:t>
-            </a:r>
-            <a:r>
-              <a:rPr lang="it-IT" dirty="0"/>
-              <a:t> di condividere un calendario mettendo la foto della parte in basso a sinistra della schermata principale parlando di cosa è l’organizer</a:t>
-            </a:r>
-            <a:endParaRPr lang="en-GB" dirty="0"/>
-          </a:p>
-        </p:txBody>
-      </p:sp>
-    </p:spTree>
-    <p:extLst>
-      <p:ext uri="{BB962C8B-B14F-4D97-AF65-F5344CB8AC3E}">
-        <p14:creationId xmlns:p14="http://schemas.microsoft.com/office/powerpoint/2010/main" val="1280726843"/>
-      </p:ext>
-    </p:extLst>
-  </p:cSld>
-  <p:clrMapOvr>
-    <a:masterClrMapping/>
-  </p:clrMapOvr>
-</p:sld>
-</file>
-
-<file path=ppt/slides/slide9.xml><?xml version="1.0" encoding="utf-8"?>
-<p:sld xmlns:a="http://schemas.openxmlformats.org/drawingml/2006/main" xmlns:r="http://schemas.openxmlformats.org/officeDocument/2006/relationships" xmlns:p="http://schemas.openxmlformats.org/presentationml/2006/main">
-  <p:cSld>
-    <p:spTree>
-      <p:nvGrpSpPr>
-        <p:cNvPr id="1" name=""/>
-        <p:cNvGrpSpPr/>
-        <p:nvPr/>
-      </p:nvGrpSpPr>
-      <p:grpSpPr>
-        <a:xfrm>
-          <a:off x="0" y="0"/>
-          <a:ext cx="0" cy="0"/>
-          <a:chOff x="0" y="0"/>
-          <a:chExt cx="0" cy="0"/>
-        </a:xfrm>
-      </p:grpSpPr>
-      <p:sp>
-        <p:nvSpPr>
-          <p:cNvPr id="2" name="Titolo 1">
-            <a:extLst>
-              <a:ext uri="{FF2B5EF4-FFF2-40B4-BE49-F238E27FC236}">
-                <a16:creationId xmlns:a16="http://schemas.microsoft.com/office/drawing/2014/main" id="{D5126BC9-09F6-4AF2-A1B1-29567F829CDA}"/>
-              </a:ext>
-            </a:extLst>
-          </p:cNvPr>
-          <p:cNvSpPr>
-            <a:spLocks noGrp="1"/>
-          </p:cNvSpPr>
-          <p:nvPr>
-            <p:ph type="title"/>
-          </p:nvPr>
-        </p:nvSpPr>
-        <p:spPr/>
-        <p:txBody>
-          <a:bodyPr/>
-          <a:lstStyle/>
-          <a:p>
-            <a:r>
-              <a:rPr lang="it-IT" dirty="0"/>
-              <a:t>Condivisione di un calendario (II)</a:t>
-            </a:r>
-            <a:endParaRPr lang="en-GB" dirty="0"/>
-          </a:p>
-        </p:txBody>
-      </p:sp>
-      <p:sp>
-        <p:nvSpPr>
-          <p:cNvPr id="3" name="Segnaposto contenuto 2">
-            <a:extLst>
-              <a:ext uri="{FF2B5EF4-FFF2-40B4-BE49-F238E27FC236}">
-                <a16:creationId xmlns:a16="http://schemas.microsoft.com/office/drawing/2014/main" id="{16A75902-01B4-4FA1-BC9D-735C596A2449}"/>
-              </a:ext>
-            </a:extLst>
-          </p:cNvPr>
-          <p:cNvSpPr>
-            <a:spLocks noGrp="1"/>
-          </p:cNvSpPr>
-          <p:nvPr>
-            <p:ph idx="1"/>
-          </p:nvPr>
-        </p:nvSpPr>
-        <p:spPr/>
-        <p:txBody>
-          <a:bodyPr/>
-          <a:lstStyle/>
-          <a:p>
-            <a:r>
-              <a:rPr lang="it-IT" dirty="0"/>
-              <a:t>Foto della schermata per condividere un calendario e possibilità di condividerlo in </a:t>
-            </a:r>
-            <a:r>
-              <a:rPr lang="it-IT" dirty="0" err="1"/>
-              <a:t>read</a:t>
-            </a:r>
-            <a:r>
-              <a:rPr lang="it-IT" dirty="0"/>
-              <a:t> / </a:t>
-            </a:r>
-            <a:r>
-              <a:rPr lang="it-IT" dirty="0" err="1"/>
-              <a:t>read-write</a:t>
-            </a:r>
-            <a:endParaRPr lang="en-GB" dirty="0"/>
-          </a:p>
-        </p:txBody>
-      </p:sp>
-    </p:spTree>
-    <p:extLst>
-      <p:ext uri="{BB962C8B-B14F-4D97-AF65-F5344CB8AC3E}">
-        <p14:creationId xmlns:p14="http://schemas.microsoft.com/office/powerpoint/2010/main" val="78653285"/>
       </p:ext>
     </p:extLst>
   </p:cSld>
